--- a/Implementierung/Dokumentation/Präsentation.pptx
+++ b/Implementierung/Dokumentation/Präsentation.pptx
@@ -123,6 +123,11 @@
       </a:defRPr>
     </a:lvl9pPr>
   </p:defaultTextStyle>
+  <p:extLst>
+    <p:ext uri="{EFAFB233-063F-42B5-8137-9DF3F51BA10A}">
+      <p15:sldGuideLst xmlns:p15="http://schemas.microsoft.com/office/powerpoint/2012/main"/>
+    </p:ext>
+  </p:extLst>
 </p:presentation>
 </file>
 
@@ -208,7 +213,7 @@
           <a:p>
             <a:fld id="{0C87F128-F102-42D3-AB25-E9DE5E82FA93}" type="datetimeFigureOut">
               <a:rPr lang="de-DE" smtClean="0"/>
-              <a:t>20.02.2017</a:t>
+              <a:t>21.02.2017</a:t>
             </a:fld>
             <a:endParaRPr lang="de-DE"/>
           </a:p>
@@ -303,7 +308,6 @@
               <a:rPr lang="de-DE"/>
               <a:t>Fünfte Ebene</a:t>
             </a:r>
-            <a:endParaRPr lang="de-DE"/>
           </a:p>
         </p:txBody>
       </p:sp>
@@ -6956,13 +6960,13 @@
   <p:clrMapOvr>
     <a:masterClrMapping/>
   </p:clrMapOvr>
-  <mc:AlternateContent xmlns:mc="http://schemas.openxmlformats.org/markup-compatibility/2006">
-    <mc:Choice xmlns:p14="http://schemas.microsoft.com/office/powerpoint/2010/main" Requires="p14">
+  <mc:AlternateContent xmlns:mc="http://schemas.openxmlformats.org/markup-compatibility/2006" xmlns:p14="http://schemas.microsoft.com/office/powerpoint/2010/main">
+    <mc:Choice Requires="p14">
       <p:transition spd="med" p14:dur="700">
         <p:fade/>
       </p:transition>
     </mc:Choice>
-    <mc:Fallback>
+    <mc:Fallback xmlns="">
       <p:transition spd="med">
         <p:fade/>
       </p:transition>
@@ -7100,6 +7104,245 @@
   <p:clrMapOvr>
     <a:masterClrMapping/>
   </p:clrMapOvr>
+  <p:timing>
+    <p:tnLst>
+      <p:par>
+        <p:cTn id="1" dur="indefinite" restart="never" nodeType="tmRoot">
+          <p:childTnLst>
+            <p:seq concurrent="1" nextAc="seek">
+              <p:cTn id="2" dur="indefinite" nodeType="mainSeq">
+                <p:childTnLst>
+                  <p:par>
+                    <p:cTn id="3" fill="hold">
+                      <p:stCondLst>
+                        <p:cond delay="indefinite"/>
+                      </p:stCondLst>
+                      <p:childTnLst>
+                        <p:par>
+                          <p:cTn id="4" fill="hold">
+                            <p:stCondLst>
+                              <p:cond delay="0"/>
+                            </p:stCondLst>
+                            <p:childTnLst>
+                              <p:par>
+                                <p:cTn id="5" presetID="2" presetClass="entr" presetSubtype="4" fill="hold" grpId="0" nodeType="clickEffect">
+                                  <p:stCondLst>
+                                    <p:cond delay="0"/>
+                                  </p:stCondLst>
+                                  <p:childTnLst>
+                                    <p:set>
+                                      <p:cBhvr>
+                                        <p:cTn id="6" dur="1" fill="hold">
+                                          <p:stCondLst>
+                                            <p:cond delay="0"/>
+                                          </p:stCondLst>
+                                        </p:cTn>
+                                        <p:tgtEl>
+                                          <p:spTgt spid="3">
+                                            <p:txEl>
+                                              <p:pRg st="0" end="0"/>
+                                            </p:txEl>
+                                          </p:spTgt>
+                                        </p:tgtEl>
+                                        <p:attrNameLst>
+                                          <p:attrName>style.visibility</p:attrName>
+                                        </p:attrNameLst>
+                                      </p:cBhvr>
+                                      <p:to>
+                                        <p:strVal val="visible"/>
+                                      </p:to>
+                                    </p:set>
+                                    <p:anim calcmode="lin" valueType="num">
+                                      <p:cBhvr additive="base">
+                                        <p:cTn id="7" dur="500" fill="hold"/>
+                                        <p:tgtEl>
+                                          <p:spTgt spid="3">
+                                            <p:txEl>
+                                              <p:pRg st="0" end="0"/>
+                                            </p:txEl>
+                                          </p:spTgt>
+                                        </p:tgtEl>
+                                        <p:attrNameLst>
+                                          <p:attrName>ppt_x</p:attrName>
+                                        </p:attrNameLst>
+                                      </p:cBhvr>
+                                      <p:tavLst>
+                                        <p:tav tm="0">
+                                          <p:val>
+                                            <p:strVal val="#ppt_x"/>
+                                          </p:val>
+                                        </p:tav>
+                                        <p:tav tm="100000">
+                                          <p:val>
+                                            <p:strVal val="#ppt_x"/>
+                                          </p:val>
+                                        </p:tav>
+                                      </p:tavLst>
+                                    </p:anim>
+                                    <p:anim calcmode="lin" valueType="num">
+                                      <p:cBhvr additive="base">
+                                        <p:cTn id="8" dur="500" fill="hold"/>
+                                        <p:tgtEl>
+                                          <p:spTgt spid="3">
+                                            <p:txEl>
+                                              <p:pRg st="0" end="0"/>
+                                            </p:txEl>
+                                          </p:spTgt>
+                                        </p:tgtEl>
+                                        <p:attrNameLst>
+                                          <p:attrName>ppt_y</p:attrName>
+                                        </p:attrNameLst>
+                                      </p:cBhvr>
+                                      <p:tavLst>
+                                        <p:tav tm="0">
+                                          <p:val>
+                                            <p:strVal val="1+#ppt_h/2"/>
+                                          </p:val>
+                                        </p:tav>
+                                        <p:tav tm="100000">
+                                          <p:val>
+                                            <p:strVal val="#ppt_y"/>
+                                          </p:val>
+                                        </p:tav>
+                                      </p:tavLst>
+                                    </p:anim>
+                                  </p:childTnLst>
+                                </p:cTn>
+                              </p:par>
+                            </p:childTnLst>
+                          </p:cTn>
+                        </p:par>
+                      </p:childTnLst>
+                    </p:cTn>
+                  </p:par>
+                  <p:par>
+                    <p:cTn id="9" fill="hold">
+                      <p:stCondLst>
+                        <p:cond delay="indefinite"/>
+                      </p:stCondLst>
+                      <p:childTnLst>
+                        <p:par>
+                          <p:cTn id="10" fill="hold">
+                            <p:stCondLst>
+                              <p:cond delay="0"/>
+                            </p:stCondLst>
+                            <p:childTnLst>
+                              <p:par>
+                                <p:cTn id="11" presetID="2" presetClass="entr" presetSubtype="4" fill="hold" grpId="0" nodeType="clickEffect">
+                                  <p:stCondLst>
+                                    <p:cond delay="0"/>
+                                  </p:stCondLst>
+                                  <p:childTnLst>
+                                    <p:set>
+                                      <p:cBhvr>
+                                        <p:cTn id="12" dur="1" fill="hold">
+                                          <p:stCondLst>
+                                            <p:cond delay="0"/>
+                                          </p:stCondLst>
+                                        </p:cTn>
+                                        <p:tgtEl>
+                                          <p:spTgt spid="3">
+                                            <p:txEl>
+                                              <p:pRg st="1" end="1"/>
+                                            </p:txEl>
+                                          </p:spTgt>
+                                        </p:tgtEl>
+                                        <p:attrNameLst>
+                                          <p:attrName>style.visibility</p:attrName>
+                                        </p:attrNameLst>
+                                      </p:cBhvr>
+                                      <p:to>
+                                        <p:strVal val="visible"/>
+                                      </p:to>
+                                    </p:set>
+                                    <p:anim calcmode="lin" valueType="num">
+                                      <p:cBhvr additive="base">
+                                        <p:cTn id="13" dur="500" fill="hold"/>
+                                        <p:tgtEl>
+                                          <p:spTgt spid="3">
+                                            <p:txEl>
+                                              <p:pRg st="1" end="1"/>
+                                            </p:txEl>
+                                          </p:spTgt>
+                                        </p:tgtEl>
+                                        <p:attrNameLst>
+                                          <p:attrName>ppt_x</p:attrName>
+                                        </p:attrNameLst>
+                                      </p:cBhvr>
+                                      <p:tavLst>
+                                        <p:tav tm="0">
+                                          <p:val>
+                                            <p:strVal val="#ppt_x"/>
+                                          </p:val>
+                                        </p:tav>
+                                        <p:tav tm="100000">
+                                          <p:val>
+                                            <p:strVal val="#ppt_x"/>
+                                          </p:val>
+                                        </p:tav>
+                                      </p:tavLst>
+                                    </p:anim>
+                                    <p:anim calcmode="lin" valueType="num">
+                                      <p:cBhvr additive="base">
+                                        <p:cTn id="14" dur="500" fill="hold"/>
+                                        <p:tgtEl>
+                                          <p:spTgt spid="3">
+                                            <p:txEl>
+                                              <p:pRg st="1" end="1"/>
+                                            </p:txEl>
+                                          </p:spTgt>
+                                        </p:tgtEl>
+                                        <p:attrNameLst>
+                                          <p:attrName>ppt_y</p:attrName>
+                                        </p:attrNameLst>
+                                      </p:cBhvr>
+                                      <p:tavLst>
+                                        <p:tav tm="0">
+                                          <p:val>
+                                            <p:strVal val="1+#ppt_h/2"/>
+                                          </p:val>
+                                        </p:tav>
+                                        <p:tav tm="100000">
+                                          <p:val>
+                                            <p:strVal val="#ppt_y"/>
+                                          </p:val>
+                                        </p:tav>
+                                      </p:tavLst>
+                                    </p:anim>
+                                  </p:childTnLst>
+                                </p:cTn>
+                              </p:par>
+                            </p:childTnLst>
+                          </p:cTn>
+                        </p:par>
+                      </p:childTnLst>
+                    </p:cTn>
+                  </p:par>
+                </p:childTnLst>
+              </p:cTn>
+              <p:prevCondLst>
+                <p:cond evt="onPrev" delay="0">
+                  <p:tgtEl>
+                    <p:sldTgt/>
+                  </p:tgtEl>
+                </p:cond>
+              </p:prevCondLst>
+              <p:nextCondLst>
+                <p:cond evt="onNext" delay="0">
+                  <p:tgtEl>
+                    <p:sldTgt/>
+                  </p:tgtEl>
+                </p:cond>
+              </p:nextCondLst>
+            </p:seq>
+          </p:childTnLst>
+        </p:cTn>
+      </p:par>
+    </p:tnLst>
+    <p:bldLst>
+      <p:bldP spid="3" grpId="0" build="p"/>
+    </p:bldLst>
+  </p:timing>
 </p:sld>
 </file>
 
@@ -7233,6 +7476,451 @@
   <p:clrMapOvr>
     <a:masterClrMapping/>
   </p:clrMapOvr>
+  <p:timing>
+    <p:tnLst>
+      <p:par>
+        <p:cTn id="1" dur="indefinite" restart="never" nodeType="tmRoot">
+          <p:childTnLst>
+            <p:seq concurrent="1" nextAc="seek">
+              <p:cTn id="2" dur="indefinite" nodeType="mainSeq">
+                <p:childTnLst>
+                  <p:par>
+                    <p:cTn id="3" fill="hold">
+                      <p:stCondLst>
+                        <p:cond delay="indefinite"/>
+                      </p:stCondLst>
+                      <p:childTnLst>
+                        <p:par>
+                          <p:cTn id="4" fill="hold">
+                            <p:stCondLst>
+                              <p:cond delay="0"/>
+                            </p:stCondLst>
+                            <p:childTnLst>
+                              <p:par>
+                                <p:cTn id="5" presetID="2" presetClass="entr" presetSubtype="4" fill="hold" grpId="0" nodeType="clickEffect">
+                                  <p:stCondLst>
+                                    <p:cond delay="0"/>
+                                  </p:stCondLst>
+                                  <p:childTnLst>
+                                    <p:set>
+                                      <p:cBhvr>
+                                        <p:cTn id="6" dur="1" fill="hold">
+                                          <p:stCondLst>
+                                            <p:cond delay="0"/>
+                                          </p:stCondLst>
+                                        </p:cTn>
+                                        <p:tgtEl>
+                                          <p:spTgt spid="3">
+                                            <p:txEl>
+                                              <p:pRg st="0" end="0"/>
+                                            </p:txEl>
+                                          </p:spTgt>
+                                        </p:tgtEl>
+                                        <p:attrNameLst>
+                                          <p:attrName>style.visibility</p:attrName>
+                                        </p:attrNameLst>
+                                      </p:cBhvr>
+                                      <p:to>
+                                        <p:strVal val="visible"/>
+                                      </p:to>
+                                    </p:set>
+                                    <p:anim calcmode="lin" valueType="num">
+                                      <p:cBhvr additive="base">
+                                        <p:cTn id="7" dur="500" fill="hold"/>
+                                        <p:tgtEl>
+                                          <p:spTgt spid="3">
+                                            <p:txEl>
+                                              <p:pRg st="0" end="0"/>
+                                            </p:txEl>
+                                          </p:spTgt>
+                                        </p:tgtEl>
+                                        <p:attrNameLst>
+                                          <p:attrName>ppt_x</p:attrName>
+                                        </p:attrNameLst>
+                                      </p:cBhvr>
+                                      <p:tavLst>
+                                        <p:tav tm="0">
+                                          <p:val>
+                                            <p:strVal val="#ppt_x"/>
+                                          </p:val>
+                                        </p:tav>
+                                        <p:tav tm="100000">
+                                          <p:val>
+                                            <p:strVal val="#ppt_x"/>
+                                          </p:val>
+                                        </p:tav>
+                                      </p:tavLst>
+                                    </p:anim>
+                                    <p:anim calcmode="lin" valueType="num">
+                                      <p:cBhvr additive="base">
+                                        <p:cTn id="8" dur="500" fill="hold"/>
+                                        <p:tgtEl>
+                                          <p:spTgt spid="3">
+                                            <p:txEl>
+                                              <p:pRg st="0" end="0"/>
+                                            </p:txEl>
+                                          </p:spTgt>
+                                        </p:tgtEl>
+                                        <p:attrNameLst>
+                                          <p:attrName>ppt_y</p:attrName>
+                                        </p:attrNameLst>
+                                      </p:cBhvr>
+                                      <p:tavLst>
+                                        <p:tav tm="0">
+                                          <p:val>
+                                            <p:strVal val="1+#ppt_h/2"/>
+                                          </p:val>
+                                        </p:tav>
+                                        <p:tav tm="100000">
+                                          <p:val>
+                                            <p:strVal val="#ppt_y"/>
+                                          </p:val>
+                                        </p:tav>
+                                      </p:tavLst>
+                                    </p:anim>
+                                  </p:childTnLst>
+                                </p:cTn>
+                              </p:par>
+                            </p:childTnLst>
+                          </p:cTn>
+                        </p:par>
+                      </p:childTnLst>
+                    </p:cTn>
+                  </p:par>
+                  <p:par>
+                    <p:cTn id="9" fill="hold">
+                      <p:stCondLst>
+                        <p:cond delay="indefinite"/>
+                      </p:stCondLst>
+                      <p:childTnLst>
+                        <p:par>
+                          <p:cTn id="10" fill="hold">
+                            <p:stCondLst>
+                              <p:cond delay="0"/>
+                            </p:stCondLst>
+                            <p:childTnLst>
+                              <p:par>
+                                <p:cTn id="11" presetID="2" presetClass="entr" presetSubtype="4" fill="hold" grpId="0" nodeType="clickEffect">
+                                  <p:stCondLst>
+                                    <p:cond delay="0"/>
+                                  </p:stCondLst>
+                                  <p:childTnLst>
+                                    <p:set>
+                                      <p:cBhvr>
+                                        <p:cTn id="12" dur="1" fill="hold">
+                                          <p:stCondLst>
+                                            <p:cond delay="0"/>
+                                          </p:stCondLst>
+                                        </p:cTn>
+                                        <p:tgtEl>
+                                          <p:spTgt spid="3">
+                                            <p:txEl>
+                                              <p:pRg st="1" end="1"/>
+                                            </p:txEl>
+                                          </p:spTgt>
+                                        </p:tgtEl>
+                                        <p:attrNameLst>
+                                          <p:attrName>style.visibility</p:attrName>
+                                        </p:attrNameLst>
+                                      </p:cBhvr>
+                                      <p:to>
+                                        <p:strVal val="visible"/>
+                                      </p:to>
+                                    </p:set>
+                                    <p:anim calcmode="lin" valueType="num">
+                                      <p:cBhvr additive="base">
+                                        <p:cTn id="13" dur="500" fill="hold"/>
+                                        <p:tgtEl>
+                                          <p:spTgt spid="3">
+                                            <p:txEl>
+                                              <p:pRg st="1" end="1"/>
+                                            </p:txEl>
+                                          </p:spTgt>
+                                        </p:tgtEl>
+                                        <p:attrNameLst>
+                                          <p:attrName>ppt_x</p:attrName>
+                                        </p:attrNameLst>
+                                      </p:cBhvr>
+                                      <p:tavLst>
+                                        <p:tav tm="0">
+                                          <p:val>
+                                            <p:strVal val="#ppt_x"/>
+                                          </p:val>
+                                        </p:tav>
+                                        <p:tav tm="100000">
+                                          <p:val>
+                                            <p:strVal val="#ppt_x"/>
+                                          </p:val>
+                                        </p:tav>
+                                      </p:tavLst>
+                                    </p:anim>
+                                    <p:anim calcmode="lin" valueType="num">
+                                      <p:cBhvr additive="base">
+                                        <p:cTn id="14" dur="500" fill="hold"/>
+                                        <p:tgtEl>
+                                          <p:spTgt spid="3">
+                                            <p:txEl>
+                                              <p:pRg st="1" end="1"/>
+                                            </p:txEl>
+                                          </p:spTgt>
+                                        </p:tgtEl>
+                                        <p:attrNameLst>
+                                          <p:attrName>ppt_y</p:attrName>
+                                        </p:attrNameLst>
+                                      </p:cBhvr>
+                                      <p:tavLst>
+                                        <p:tav tm="0">
+                                          <p:val>
+                                            <p:strVal val="1+#ppt_h/2"/>
+                                          </p:val>
+                                        </p:tav>
+                                        <p:tav tm="100000">
+                                          <p:val>
+                                            <p:strVal val="#ppt_y"/>
+                                          </p:val>
+                                        </p:tav>
+                                      </p:tavLst>
+                                    </p:anim>
+                                  </p:childTnLst>
+                                </p:cTn>
+                              </p:par>
+                            </p:childTnLst>
+                          </p:cTn>
+                        </p:par>
+                      </p:childTnLst>
+                    </p:cTn>
+                  </p:par>
+                  <p:par>
+                    <p:cTn id="15" fill="hold">
+                      <p:stCondLst>
+                        <p:cond delay="indefinite"/>
+                      </p:stCondLst>
+                      <p:childTnLst>
+                        <p:par>
+                          <p:cTn id="16" fill="hold">
+                            <p:stCondLst>
+                              <p:cond delay="0"/>
+                            </p:stCondLst>
+                            <p:childTnLst>
+                              <p:par>
+                                <p:cTn id="17" presetID="2" presetClass="entr" presetSubtype="4" fill="hold" grpId="0" nodeType="clickEffect">
+                                  <p:stCondLst>
+                                    <p:cond delay="0"/>
+                                  </p:stCondLst>
+                                  <p:childTnLst>
+                                    <p:set>
+                                      <p:cBhvr>
+                                        <p:cTn id="18" dur="1" fill="hold">
+                                          <p:stCondLst>
+                                            <p:cond delay="0"/>
+                                          </p:stCondLst>
+                                        </p:cTn>
+                                        <p:tgtEl>
+                                          <p:spTgt spid="3">
+                                            <p:txEl>
+                                              <p:pRg st="2" end="2"/>
+                                            </p:txEl>
+                                          </p:spTgt>
+                                        </p:tgtEl>
+                                        <p:attrNameLst>
+                                          <p:attrName>style.visibility</p:attrName>
+                                        </p:attrNameLst>
+                                      </p:cBhvr>
+                                      <p:to>
+                                        <p:strVal val="visible"/>
+                                      </p:to>
+                                    </p:set>
+                                    <p:anim calcmode="lin" valueType="num">
+                                      <p:cBhvr additive="base">
+                                        <p:cTn id="19" dur="500" fill="hold"/>
+                                        <p:tgtEl>
+                                          <p:spTgt spid="3">
+                                            <p:txEl>
+                                              <p:pRg st="2" end="2"/>
+                                            </p:txEl>
+                                          </p:spTgt>
+                                        </p:tgtEl>
+                                        <p:attrNameLst>
+                                          <p:attrName>ppt_x</p:attrName>
+                                        </p:attrNameLst>
+                                      </p:cBhvr>
+                                      <p:tavLst>
+                                        <p:tav tm="0">
+                                          <p:val>
+                                            <p:strVal val="#ppt_x"/>
+                                          </p:val>
+                                        </p:tav>
+                                        <p:tav tm="100000">
+                                          <p:val>
+                                            <p:strVal val="#ppt_x"/>
+                                          </p:val>
+                                        </p:tav>
+                                      </p:tavLst>
+                                    </p:anim>
+                                    <p:anim calcmode="lin" valueType="num">
+                                      <p:cBhvr additive="base">
+                                        <p:cTn id="20" dur="500" fill="hold"/>
+                                        <p:tgtEl>
+                                          <p:spTgt spid="3">
+                                            <p:txEl>
+                                              <p:pRg st="2" end="2"/>
+                                            </p:txEl>
+                                          </p:spTgt>
+                                        </p:tgtEl>
+                                        <p:attrNameLst>
+                                          <p:attrName>ppt_y</p:attrName>
+                                        </p:attrNameLst>
+                                      </p:cBhvr>
+                                      <p:tavLst>
+                                        <p:tav tm="0">
+                                          <p:val>
+                                            <p:strVal val="1+#ppt_h/2"/>
+                                          </p:val>
+                                        </p:tav>
+                                        <p:tav tm="100000">
+                                          <p:val>
+                                            <p:strVal val="#ppt_y"/>
+                                          </p:val>
+                                        </p:tav>
+                                      </p:tavLst>
+                                    </p:anim>
+                                  </p:childTnLst>
+                                </p:cTn>
+                              </p:par>
+                            </p:childTnLst>
+                          </p:cTn>
+                        </p:par>
+                      </p:childTnLst>
+                    </p:cTn>
+                  </p:par>
+                  <p:par>
+                    <p:cTn id="21" fill="hold">
+                      <p:stCondLst>
+                        <p:cond delay="indefinite"/>
+                      </p:stCondLst>
+                      <p:childTnLst>
+                        <p:par>
+                          <p:cTn id="22" fill="hold">
+                            <p:stCondLst>
+                              <p:cond delay="0"/>
+                            </p:stCondLst>
+                            <p:childTnLst>
+                              <p:par>
+                                <p:cTn id="23" presetID="2" presetClass="entr" presetSubtype="4" fill="hold" grpId="0" nodeType="clickEffect">
+                                  <p:stCondLst>
+                                    <p:cond delay="0"/>
+                                  </p:stCondLst>
+                                  <p:childTnLst>
+                                    <p:set>
+                                      <p:cBhvr>
+                                        <p:cTn id="24" dur="1" fill="hold">
+                                          <p:stCondLst>
+                                            <p:cond delay="0"/>
+                                          </p:stCondLst>
+                                        </p:cTn>
+                                        <p:tgtEl>
+                                          <p:spTgt spid="3">
+                                            <p:txEl>
+                                              <p:pRg st="3" end="3"/>
+                                            </p:txEl>
+                                          </p:spTgt>
+                                        </p:tgtEl>
+                                        <p:attrNameLst>
+                                          <p:attrName>style.visibility</p:attrName>
+                                        </p:attrNameLst>
+                                      </p:cBhvr>
+                                      <p:to>
+                                        <p:strVal val="visible"/>
+                                      </p:to>
+                                    </p:set>
+                                    <p:anim calcmode="lin" valueType="num">
+                                      <p:cBhvr additive="base">
+                                        <p:cTn id="25" dur="500" fill="hold"/>
+                                        <p:tgtEl>
+                                          <p:spTgt spid="3">
+                                            <p:txEl>
+                                              <p:pRg st="3" end="3"/>
+                                            </p:txEl>
+                                          </p:spTgt>
+                                        </p:tgtEl>
+                                        <p:attrNameLst>
+                                          <p:attrName>ppt_x</p:attrName>
+                                        </p:attrNameLst>
+                                      </p:cBhvr>
+                                      <p:tavLst>
+                                        <p:tav tm="0">
+                                          <p:val>
+                                            <p:strVal val="#ppt_x"/>
+                                          </p:val>
+                                        </p:tav>
+                                        <p:tav tm="100000">
+                                          <p:val>
+                                            <p:strVal val="#ppt_x"/>
+                                          </p:val>
+                                        </p:tav>
+                                      </p:tavLst>
+                                    </p:anim>
+                                    <p:anim calcmode="lin" valueType="num">
+                                      <p:cBhvr additive="base">
+                                        <p:cTn id="26" dur="500" fill="hold"/>
+                                        <p:tgtEl>
+                                          <p:spTgt spid="3">
+                                            <p:txEl>
+                                              <p:pRg st="3" end="3"/>
+                                            </p:txEl>
+                                          </p:spTgt>
+                                        </p:tgtEl>
+                                        <p:attrNameLst>
+                                          <p:attrName>ppt_y</p:attrName>
+                                        </p:attrNameLst>
+                                      </p:cBhvr>
+                                      <p:tavLst>
+                                        <p:tav tm="0">
+                                          <p:val>
+                                            <p:strVal val="1+#ppt_h/2"/>
+                                          </p:val>
+                                        </p:tav>
+                                        <p:tav tm="100000">
+                                          <p:val>
+                                            <p:strVal val="#ppt_y"/>
+                                          </p:val>
+                                        </p:tav>
+                                      </p:tavLst>
+                                    </p:anim>
+                                  </p:childTnLst>
+                                </p:cTn>
+                              </p:par>
+                            </p:childTnLst>
+                          </p:cTn>
+                        </p:par>
+                      </p:childTnLst>
+                    </p:cTn>
+                  </p:par>
+                </p:childTnLst>
+              </p:cTn>
+              <p:prevCondLst>
+                <p:cond evt="onPrev" delay="0">
+                  <p:tgtEl>
+                    <p:sldTgt/>
+                  </p:tgtEl>
+                </p:cond>
+              </p:prevCondLst>
+              <p:nextCondLst>
+                <p:cond evt="onNext" delay="0">
+                  <p:tgtEl>
+                    <p:sldTgt/>
+                  </p:tgtEl>
+                </p:cond>
+              </p:nextCondLst>
+            </p:seq>
+          </p:childTnLst>
+        </p:cTn>
+      </p:par>
+    </p:tnLst>
+    <p:bldLst>
+      <p:bldP spid="3" grpId="0" build="p"/>
+    </p:bldLst>
+  </p:timing>
 </p:sld>
 </file>
 
@@ -7356,6 +8044,451 @@
   <p:clrMapOvr>
     <a:masterClrMapping/>
   </p:clrMapOvr>
+  <p:timing>
+    <p:tnLst>
+      <p:par>
+        <p:cTn id="1" dur="indefinite" restart="never" nodeType="tmRoot">
+          <p:childTnLst>
+            <p:seq concurrent="1" nextAc="seek">
+              <p:cTn id="2" dur="indefinite" nodeType="mainSeq">
+                <p:childTnLst>
+                  <p:par>
+                    <p:cTn id="3" fill="hold">
+                      <p:stCondLst>
+                        <p:cond delay="indefinite"/>
+                      </p:stCondLst>
+                      <p:childTnLst>
+                        <p:par>
+                          <p:cTn id="4" fill="hold">
+                            <p:stCondLst>
+                              <p:cond delay="0"/>
+                            </p:stCondLst>
+                            <p:childTnLst>
+                              <p:par>
+                                <p:cTn id="5" presetID="2" presetClass="entr" presetSubtype="4" fill="hold" grpId="0" nodeType="clickEffect">
+                                  <p:stCondLst>
+                                    <p:cond delay="0"/>
+                                  </p:stCondLst>
+                                  <p:childTnLst>
+                                    <p:set>
+                                      <p:cBhvr>
+                                        <p:cTn id="6" dur="1" fill="hold">
+                                          <p:stCondLst>
+                                            <p:cond delay="0"/>
+                                          </p:stCondLst>
+                                        </p:cTn>
+                                        <p:tgtEl>
+                                          <p:spTgt spid="3">
+                                            <p:txEl>
+                                              <p:pRg st="0" end="0"/>
+                                            </p:txEl>
+                                          </p:spTgt>
+                                        </p:tgtEl>
+                                        <p:attrNameLst>
+                                          <p:attrName>style.visibility</p:attrName>
+                                        </p:attrNameLst>
+                                      </p:cBhvr>
+                                      <p:to>
+                                        <p:strVal val="visible"/>
+                                      </p:to>
+                                    </p:set>
+                                    <p:anim calcmode="lin" valueType="num">
+                                      <p:cBhvr additive="base">
+                                        <p:cTn id="7" dur="500" fill="hold"/>
+                                        <p:tgtEl>
+                                          <p:spTgt spid="3">
+                                            <p:txEl>
+                                              <p:pRg st="0" end="0"/>
+                                            </p:txEl>
+                                          </p:spTgt>
+                                        </p:tgtEl>
+                                        <p:attrNameLst>
+                                          <p:attrName>ppt_x</p:attrName>
+                                        </p:attrNameLst>
+                                      </p:cBhvr>
+                                      <p:tavLst>
+                                        <p:tav tm="0">
+                                          <p:val>
+                                            <p:strVal val="#ppt_x"/>
+                                          </p:val>
+                                        </p:tav>
+                                        <p:tav tm="100000">
+                                          <p:val>
+                                            <p:strVal val="#ppt_x"/>
+                                          </p:val>
+                                        </p:tav>
+                                      </p:tavLst>
+                                    </p:anim>
+                                    <p:anim calcmode="lin" valueType="num">
+                                      <p:cBhvr additive="base">
+                                        <p:cTn id="8" dur="500" fill="hold"/>
+                                        <p:tgtEl>
+                                          <p:spTgt spid="3">
+                                            <p:txEl>
+                                              <p:pRg st="0" end="0"/>
+                                            </p:txEl>
+                                          </p:spTgt>
+                                        </p:tgtEl>
+                                        <p:attrNameLst>
+                                          <p:attrName>ppt_y</p:attrName>
+                                        </p:attrNameLst>
+                                      </p:cBhvr>
+                                      <p:tavLst>
+                                        <p:tav tm="0">
+                                          <p:val>
+                                            <p:strVal val="1+#ppt_h/2"/>
+                                          </p:val>
+                                        </p:tav>
+                                        <p:tav tm="100000">
+                                          <p:val>
+                                            <p:strVal val="#ppt_y"/>
+                                          </p:val>
+                                        </p:tav>
+                                      </p:tavLst>
+                                    </p:anim>
+                                  </p:childTnLst>
+                                </p:cTn>
+                              </p:par>
+                            </p:childTnLst>
+                          </p:cTn>
+                        </p:par>
+                      </p:childTnLst>
+                    </p:cTn>
+                  </p:par>
+                  <p:par>
+                    <p:cTn id="9" fill="hold">
+                      <p:stCondLst>
+                        <p:cond delay="indefinite"/>
+                      </p:stCondLst>
+                      <p:childTnLst>
+                        <p:par>
+                          <p:cTn id="10" fill="hold">
+                            <p:stCondLst>
+                              <p:cond delay="0"/>
+                            </p:stCondLst>
+                            <p:childTnLst>
+                              <p:par>
+                                <p:cTn id="11" presetID="2" presetClass="entr" presetSubtype="4" fill="hold" grpId="0" nodeType="clickEffect">
+                                  <p:stCondLst>
+                                    <p:cond delay="0"/>
+                                  </p:stCondLst>
+                                  <p:childTnLst>
+                                    <p:set>
+                                      <p:cBhvr>
+                                        <p:cTn id="12" dur="1" fill="hold">
+                                          <p:stCondLst>
+                                            <p:cond delay="0"/>
+                                          </p:stCondLst>
+                                        </p:cTn>
+                                        <p:tgtEl>
+                                          <p:spTgt spid="3">
+                                            <p:txEl>
+                                              <p:pRg st="1" end="1"/>
+                                            </p:txEl>
+                                          </p:spTgt>
+                                        </p:tgtEl>
+                                        <p:attrNameLst>
+                                          <p:attrName>style.visibility</p:attrName>
+                                        </p:attrNameLst>
+                                      </p:cBhvr>
+                                      <p:to>
+                                        <p:strVal val="visible"/>
+                                      </p:to>
+                                    </p:set>
+                                    <p:anim calcmode="lin" valueType="num">
+                                      <p:cBhvr additive="base">
+                                        <p:cTn id="13" dur="500" fill="hold"/>
+                                        <p:tgtEl>
+                                          <p:spTgt spid="3">
+                                            <p:txEl>
+                                              <p:pRg st="1" end="1"/>
+                                            </p:txEl>
+                                          </p:spTgt>
+                                        </p:tgtEl>
+                                        <p:attrNameLst>
+                                          <p:attrName>ppt_x</p:attrName>
+                                        </p:attrNameLst>
+                                      </p:cBhvr>
+                                      <p:tavLst>
+                                        <p:tav tm="0">
+                                          <p:val>
+                                            <p:strVal val="#ppt_x"/>
+                                          </p:val>
+                                        </p:tav>
+                                        <p:tav tm="100000">
+                                          <p:val>
+                                            <p:strVal val="#ppt_x"/>
+                                          </p:val>
+                                        </p:tav>
+                                      </p:tavLst>
+                                    </p:anim>
+                                    <p:anim calcmode="lin" valueType="num">
+                                      <p:cBhvr additive="base">
+                                        <p:cTn id="14" dur="500" fill="hold"/>
+                                        <p:tgtEl>
+                                          <p:spTgt spid="3">
+                                            <p:txEl>
+                                              <p:pRg st="1" end="1"/>
+                                            </p:txEl>
+                                          </p:spTgt>
+                                        </p:tgtEl>
+                                        <p:attrNameLst>
+                                          <p:attrName>ppt_y</p:attrName>
+                                        </p:attrNameLst>
+                                      </p:cBhvr>
+                                      <p:tavLst>
+                                        <p:tav tm="0">
+                                          <p:val>
+                                            <p:strVal val="1+#ppt_h/2"/>
+                                          </p:val>
+                                        </p:tav>
+                                        <p:tav tm="100000">
+                                          <p:val>
+                                            <p:strVal val="#ppt_y"/>
+                                          </p:val>
+                                        </p:tav>
+                                      </p:tavLst>
+                                    </p:anim>
+                                  </p:childTnLst>
+                                </p:cTn>
+                              </p:par>
+                            </p:childTnLst>
+                          </p:cTn>
+                        </p:par>
+                      </p:childTnLst>
+                    </p:cTn>
+                  </p:par>
+                  <p:par>
+                    <p:cTn id="15" fill="hold">
+                      <p:stCondLst>
+                        <p:cond delay="indefinite"/>
+                      </p:stCondLst>
+                      <p:childTnLst>
+                        <p:par>
+                          <p:cTn id="16" fill="hold">
+                            <p:stCondLst>
+                              <p:cond delay="0"/>
+                            </p:stCondLst>
+                            <p:childTnLst>
+                              <p:par>
+                                <p:cTn id="17" presetID="2" presetClass="entr" presetSubtype="4" fill="hold" grpId="0" nodeType="clickEffect">
+                                  <p:stCondLst>
+                                    <p:cond delay="0"/>
+                                  </p:stCondLst>
+                                  <p:childTnLst>
+                                    <p:set>
+                                      <p:cBhvr>
+                                        <p:cTn id="18" dur="1" fill="hold">
+                                          <p:stCondLst>
+                                            <p:cond delay="0"/>
+                                          </p:stCondLst>
+                                        </p:cTn>
+                                        <p:tgtEl>
+                                          <p:spTgt spid="3">
+                                            <p:txEl>
+                                              <p:pRg st="2" end="2"/>
+                                            </p:txEl>
+                                          </p:spTgt>
+                                        </p:tgtEl>
+                                        <p:attrNameLst>
+                                          <p:attrName>style.visibility</p:attrName>
+                                        </p:attrNameLst>
+                                      </p:cBhvr>
+                                      <p:to>
+                                        <p:strVal val="visible"/>
+                                      </p:to>
+                                    </p:set>
+                                    <p:anim calcmode="lin" valueType="num">
+                                      <p:cBhvr additive="base">
+                                        <p:cTn id="19" dur="500" fill="hold"/>
+                                        <p:tgtEl>
+                                          <p:spTgt spid="3">
+                                            <p:txEl>
+                                              <p:pRg st="2" end="2"/>
+                                            </p:txEl>
+                                          </p:spTgt>
+                                        </p:tgtEl>
+                                        <p:attrNameLst>
+                                          <p:attrName>ppt_x</p:attrName>
+                                        </p:attrNameLst>
+                                      </p:cBhvr>
+                                      <p:tavLst>
+                                        <p:tav tm="0">
+                                          <p:val>
+                                            <p:strVal val="#ppt_x"/>
+                                          </p:val>
+                                        </p:tav>
+                                        <p:tav tm="100000">
+                                          <p:val>
+                                            <p:strVal val="#ppt_x"/>
+                                          </p:val>
+                                        </p:tav>
+                                      </p:tavLst>
+                                    </p:anim>
+                                    <p:anim calcmode="lin" valueType="num">
+                                      <p:cBhvr additive="base">
+                                        <p:cTn id="20" dur="500" fill="hold"/>
+                                        <p:tgtEl>
+                                          <p:spTgt spid="3">
+                                            <p:txEl>
+                                              <p:pRg st="2" end="2"/>
+                                            </p:txEl>
+                                          </p:spTgt>
+                                        </p:tgtEl>
+                                        <p:attrNameLst>
+                                          <p:attrName>ppt_y</p:attrName>
+                                        </p:attrNameLst>
+                                      </p:cBhvr>
+                                      <p:tavLst>
+                                        <p:tav tm="0">
+                                          <p:val>
+                                            <p:strVal val="1+#ppt_h/2"/>
+                                          </p:val>
+                                        </p:tav>
+                                        <p:tav tm="100000">
+                                          <p:val>
+                                            <p:strVal val="#ppt_y"/>
+                                          </p:val>
+                                        </p:tav>
+                                      </p:tavLst>
+                                    </p:anim>
+                                  </p:childTnLst>
+                                </p:cTn>
+                              </p:par>
+                            </p:childTnLst>
+                          </p:cTn>
+                        </p:par>
+                      </p:childTnLst>
+                    </p:cTn>
+                  </p:par>
+                  <p:par>
+                    <p:cTn id="21" fill="hold">
+                      <p:stCondLst>
+                        <p:cond delay="indefinite"/>
+                      </p:stCondLst>
+                      <p:childTnLst>
+                        <p:par>
+                          <p:cTn id="22" fill="hold">
+                            <p:stCondLst>
+                              <p:cond delay="0"/>
+                            </p:stCondLst>
+                            <p:childTnLst>
+                              <p:par>
+                                <p:cTn id="23" presetID="2" presetClass="entr" presetSubtype="4" fill="hold" grpId="0" nodeType="clickEffect">
+                                  <p:stCondLst>
+                                    <p:cond delay="0"/>
+                                  </p:stCondLst>
+                                  <p:childTnLst>
+                                    <p:set>
+                                      <p:cBhvr>
+                                        <p:cTn id="24" dur="1" fill="hold">
+                                          <p:stCondLst>
+                                            <p:cond delay="0"/>
+                                          </p:stCondLst>
+                                        </p:cTn>
+                                        <p:tgtEl>
+                                          <p:spTgt spid="3">
+                                            <p:txEl>
+                                              <p:pRg st="3" end="3"/>
+                                            </p:txEl>
+                                          </p:spTgt>
+                                        </p:tgtEl>
+                                        <p:attrNameLst>
+                                          <p:attrName>style.visibility</p:attrName>
+                                        </p:attrNameLst>
+                                      </p:cBhvr>
+                                      <p:to>
+                                        <p:strVal val="visible"/>
+                                      </p:to>
+                                    </p:set>
+                                    <p:anim calcmode="lin" valueType="num">
+                                      <p:cBhvr additive="base">
+                                        <p:cTn id="25" dur="500" fill="hold"/>
+                                        <p:tgtEl>
+                                          <p:spTgt spid="3">
+                                            <p:txEl>
+                                              <p:pRg st="3" end="3"/>
+                                            </p:txEl>
+                                          </p:spTgt>
+                                        </p:tgtEl>
+                                        <p:attrNameLst>
+                                          <p:attrName>ppt_x</p:attrName>
+                                        </p:attrNameLst>
+                                      </p:cBhvr>
+                                      <p:tavLst>
+                                        <p:tav tm="0">
+                                          <p:val>
+                                            <p:strVal val="#ppt_x"/>
+                                          </p:val>
+                                        </p:tav>
+                                        <p:tav tm="100000">
+                                          <p:val>
+                                            <p:strVal val="#ppt_x"/>
+                                          </p:val>
+                                        </p:tav>
+                                      </p:tavLst>
+                                    </p:anim>
+                                    <p:anim calcmode="lin" valueType="num">
+                                      <p:cBhvr additive="base">
+                                        <p:cTn id="26" dur="500" fill="hold"/>
+                                        <p:tgtEl>
+                                          <p:spTgt spid="3">
+                                            <p:txEl>
+                                              <p:pRg st="3" end="3"/>
+                                            </p:txEl>
+                                          </p:spTgt>
+                                        </p:tgtEl>
+                                        <p:attrNameLst>
+                                          <p:attrName>ppt_y</p:attrName>
+                                        </p:attrNameLst>
+                                      </p:cBhvr>
+                                      <p:tavLst>
+                                        <p:tav tm="0">
+                                          <p:val>
+                                            <p:strVal val="1+#ppt_h/2"/>
+                                          </p:val>
+                                        </p:tav>
+                                        <p:tav tm="100000">
+                                          <p:val>
+                                            <p:strVal val="#ppt_y"/>
+                                          </p:val>
+                                        </p:tav>
+                                      </p:tavLst>
+                                    </p:anim>
+                                  </p:childTnLst>
+                                </p:cTn>
+                              </p:par>
+                            </p:childTnLst>
+                          </p:cTn>
+                        </p:par>
+                      </p:childTnLst>
+                    </p:cTn>
+                  </p:par>
+                </p:childTnLst>
+              </p:cTn>
+              <p:prevCondLst>
+                <p:cond evt="onPrev" delay="0">
+                  <p:tgtEl>
+                    <p:sldTgt/>
+                  </p:tgtEl>
+                </p:cond>
+              </p:prevCondLst>
+              <p:nextCondLst>
+                <p:cond evt="onNext" delay="0">
+                  <p:tgtEl>
+                    <p:sldTgt/>
+                  </p:tgtEl>
+                </p:cond>
+              </p:nextCondLst>
+            </p:seq>
+          </p:childTnLst>
+        </p:cTn>
+      </p:par>
+    </p:tnLst>
+    <p:bldLst>
+      <p:bldP spid="3" grpId="0" build="p"/>
+    </p:bldLst>
+  </p:timing>
 </p:sld>
 </file>
 
@@ -7481,6 +8614,348 @@
   <p:clrMapOvr>
     <a:masterClrMapping/>
   </p:clrMapOvr>
+  <p:timing>
+    <p:tnLst>
+      <p:par>
+        <p:cTn id="1" dur="indefinite" restart="never" nodeType="tmRoot">
+          <p:childTnLst>
+            <p:seq concurrent="1" nextAc="seek">
+              <p:cTn id="2" dur="indefinite" nodeType="mainSeq">
+                <p:childTnLst>
+                  <p:par>
+                    <p:cTn id="3" fill="hold">
+                      <p:stCondLst>
+                        <p:cond delay="indefinite"/>
+                      </p:stCondLst>
+                      <p:childTnLst>
+                        <p:par>
+                          <p:cTn id="4" fill="hold">
+                            <p:stCondLst>
+                              <p:cond delay="0"/>
+                            </p:stCondLst>
+                            <p:childTnLst>
+                              <p:par>
+                                <p:cTn id="5" presetID="2" presetClass="entr" presetSubtype="4" fill="hold" grpId="0" nodeType="clickEffect">
+                                  <p:stCondLst>
+                                    <p:cond delay="0"/>
+                                  </p:stCondLst>
+                                  <p:childTnLst>
+                                    <p:set>
+                                      <p:cBhvr>
+                                        <p:cTn id="6" dur="1" fill="hold">
+                                          <p:stCondLst>
+                                            <p:cond delay="0"/>
+                                          </p:stCondLst>
+                                        </p:cTn>
+                                        <p:tgtEl>
+                                          <p:spTgt spid="3">
+                                            <p:txEl>
+                                              <p:pRg st="0" end="0"/>
+                                            </p:txEl>
+                                          </p:spTgt>
+                                        </p:tgtEl>
+                                        <p:attrNameLst>
+                                          <p:attrName>style.visibility</p:attrName>
+                                        </p:attrNameLst>
+                                      </p:cBhvr>
+                                      <p:to>
+                                        <p:strVal val="visible"/>
+                                      </p:to>
+                                    </p:set>
+                                    <p:anim calcmode="lin" valueType="num">
+                                      <p:cBhvr additive="base">
+                                        <p:cTn id="7" dur="500" fill="hold"/>
+                                        <p:tgtEl>
+                                          <p:spTgt spid="3">
+                                            <p:txEl>
+                                              <p:pRg st="0" end="0"/>
+                                            </p:txEl>
+                                          </p:spTgt>
+                                        </p:tgtEl>
+                                        <p:attrNameLst>
+                                          <p:attrName>ppt_x</p:attrName>
+                                        </p:attrNameLst>
+                                      </p:cBhvr>
+                                      <p:tavLst>
+                                        <p:tav tm="0">
+                                          <p:val>
+                                            <p:strVal val="#ppt_x"/>
+                                          </p:val>
+                                        </p:tav>
+                                        <p:tav tm="100000">
+                                          <p:val>
+                                            <p:strVal val="#ppt_x"/>
+                                          </p:val>
+                                        </p:tav>
+                                      </p:tavLst>
+                                    </p:anim>
+                                    <p:anim calcmode="lin" valueType="num">
+                                      <p:cBhvr additive="base">
+                                        <p:cTn id="8" dur="500" fill="hold"/>
+                                        <p:tgtEl>
+                                          <p:spTgt spid="3">
+                                            <p:txEl>
+                                              <p:pRg st="0" end="0"/>
+                                            </p:txEl>
+                                          </p:spTgt>
+                                        </p:tgtEl>
+                                        <p:attrNameLst>
+                                          <p:attrName>ppt_y</p:attrName>
+                                        </p:attrNameLst>
+                                      </p:cBhvr>
+                                      <p:tavLst>
+                                        <p:tav tm="0">
+                                          <p:val>
+                                            <p:strVal val="1+#ppt_h/2"/>
+                                          </p:val>
+                                        </p:tav>
+                                        <p:tav tm="100000">
+                                          <p:val>
+                                            <p:strVal val="#ppt_y"/>
+                                          </p:val>
+                                        </p:tav>
+                                      </p:tavLst>
+                                    </p:anim>
+                                  </p:childTnLst>
+                                </p:cTn>
+                              </p:par>
+                            </p:childTnLst>
+                          </p:cTn>
+                        </p:par>
+                      </p:childTnLst>
+                    </p:cTn>
+                  </p:par>
+                  <p:par>
+                    <p:cTn id="9" fill="hold">
+                      <p:stCondLst>
+                        <p:cond delay="indefinite"/>
+                      </p:stCondLst>
+                      <p:childTnLst>
+                        <p:par>
+                          <p:cTn id="10" fill="hold">
+                            <p:stCondLst>
+                              <p:cond delay="0"/>
+                            </p:stCondLst>
+                            <p:childTnLst>
+                              <p:par>
+                                <p:cTn id="11" presetID="2" presetClass="entr" presetSubtype="4" fill="hold" grpId="0" nodeType="clickEffect">
+                                  <p:stCondLst>
+                                    <p:cond delay="0"/>
+                                  </p:stCondLst>
+                                  <p:childTnLst>
+                                    <p:set>
+                                      <p:cBhvr>
+                                        <p:cTn id="12" dur="1" fill="hold">
+                                          <p:stCondLst>
+                                            <p:cond delay="0"/>
+                                          </p:stCondLst>
+                                        </p:cTn>
+                                        <p:tgtEl>
+                                          <p:spTgt spid="3">
+                                            <p:txEl>
+                                              <p:pRg st="1" end="1"/>
+                                            </p:txEl>
+                                          </p:spTgt>
+                                        </p:tgtEl>
+                                        <p:attrNameLst>
+                                          <p:attrName>style.visibility</p:attrName>
+                                        </p:attrNameLst>
+                                      </p:cBhvr>
+                                      <p:to>
+                                        <p:strVal val="visible"/>
+                                      </p:to>
+                                    </p:set>
+                                    <p:anim calcmode="lin" valueType="num">
+                                      <p:cBhvr additive="base">
+                                        <p:cTn id="13" dur="500" fill="hold"/>
+                                        <p:tgtEl>
+                                          <p:spTgt spid="3">
+                                            <p:txEl>
+                                              <p:pRg st="1" end="1"/>
+                                            </p:txEl>
+                                          </p:spTgt>
+                                        </p:tgtEl>
+                                        <p:attrNameLst>
+                                          <p:attrName>ppt_x</p:attrName>
+                                        </p:attrNameLst>
+                                      </p:cBhvr>
+                                      <p:tavLst>
+                                        <p:tav tm="0">
+                                          <p:val>
+                                            <p:strVal val="#ppt_x"/>
+                                          </p:val>
+                                        </p:tav>
+                                        <p:tav tm="100000">
+                                          <p:val>
+                                            <p:strVal val="#ppt_x"/>
+                                          </p:val>
+                                        </p:tav>
+                                      </p:tavLst>
+                                    </p:anim>
+                                    <p:anim calcmode="lin" valueType="num">
+                                      <p:cBhvr additive="base">
+                                        <p:cTn id="14" dur="500" fill="hold"/>
+                                        <p:tgtEl>
+                                          <p:spTgt spid="3">
+                                            <p:txEl>
+                                              <p:pRg st="1" end="1"/>
+                                            </p:txEl>
+                                          </p:spTgt>
+                                        </p:tgtEl>
+                                        <p:attrNameLst>
+                                          <p:attrName>ppt_y</p:attrName>
+                                        </p:attrNameLst>
+                                      </p:cBhvr>
+                                      <p:tavLst>
+                                        <p:tav tm="0">
+                                          <p:val>
+                                            <p:strVal val="1+#ppt_h/2"/>
+                                          </p:val>
+                                        </p:tav>
+                                        <p:tav tm="100000">
+                                          <p:val>
+                                            <p:strVal val="#ppt_y"/>
+                                          </p:val>
+                                        </p:tav>
+                                      </p:tavLst>
+                                    </p:anim>
+                                  </p:childTnLst>
+                                </p:cTn>
+                              </p:par>
+                            </p:childTnLst>
+                          </p:cTn>
+                        </p:par>
+                      </p:childTnLst>
+                    </p:cTn>
+                  </p:par>
+                  <p:par>
+                    <p:cTn id="15" fill="hold">
+                      <p:stCondLst>
+                        <p:cond delay="indefinite"/>
+                      </p:stCondLst>
+                      <p:childTnLst>
+                        <p:par>
+                          <p:cTn id="16" fill="hold">
+                            <p:stCondLst>
+                              <p:cond delay="0"/>
+                            </p:stCondLst>
+                            <p:childTnLst>
+                              <p:par>
+                                <p:cTn id="17" presetID="2" presetClass="entr" presetSubtype="4" fill="hold" grpId="0" nodeType="clickEffect">
+                                  <p:stCondLst>
+                                    <p:cond delay="0"/>
+                                  </p:stCondLst>
+                                  <p:childTnLst>
+                                    <p:set>
+                                      <p:cBhvr>
+                                        <p:cTn id="18" dur="1" fill="hold">
+                                          <p:stCondLst>
+                                            <p:cond delay="0"/>
+                                          </p:stCondLst>
+                                        </p:cTn>
+                                        <p:tgtEl>
+                                          <p:spTgt spid="3">
+                                            <p:txEl>
+                                              <p:pRg st="2" end="2"/>
+                                            </p:txEl>
+                                          </p:spTgt>
+                                        </p:tgtEl>
+                                        <p:attrNameLst>
+                                          <p:attrName>style.visibility</p:attrName>
+                                        </p:attrNameLst>
+                                      </p:cBhvr>
+                                      <p:to>
+                                        <p:strVal val="visible"/>
+                                      </p:to>
+                                    </p:set>
+                                    <p:anim calcmode="lin" valueType="num">
+                                      <p:cBhvr additive="base">
+                                        <p:cTn id="19" dur="500" fill="hold"/>
+                                        <p:tgtEl>
+                                          <p:spTgt spid="3">
+                                            <p:txEl>
+                                              <p:pRg st="2" end="2"/>
+                                            </p:txEl>
+                                          </p:spTgt>
+                                        </p:tgtEl>
+                                        <p:attrNameLst>
+                                          <p:attrName>ppt_x</p:attrName>
+                                        </p:attrNameLst>
+                                      </p:cBhvr>
+                                      <p:tavLst>
+                                        <p:tav tm="0">
+                                          <p:val>
+                                            <p:strVal val="#ppt_x"/>
+                                          </p:val>
+                                        </p:tav>
+                                        <p:tav tm="100000">
+                                          <p:val>
+                                            <p:strVal val="#ppt_x"/>
+                                          </p:val>
+                                        </p:tav>
+                                      </p:tavLst>
+                                    </p:anim>
+                                    <p:anim calcmode="lin" valueType="num">
+                                      <p:cBhvr additive="base">
+                                        <p:cTn id="20" dur="500" fill="hold"/>
+                                        <p:tgtEl>
+                                          <p:spTgt spid="3">
+                                            <p:txEl>
+                                              <p:pRg st="2" end="2"/>
+                                            </p:txEl>
+                                          </p:spTgt>
+                                        </p:tgtEl>
+                                        <p:attrNameLst>
+                                          <p:attrName>ppt_y</p:attrName>
+                                        </p:attrNameLst>
+                                      </p:cBhvr>
+                                      <p:tavLst>
+                                        <p:tav tm="0">
+                                          <p:val>
+                                            <p:strVal val="1+#ppt_h/2"/>
+                                          </p:val>
+                                        </p:tav>
+                                        <p:tav tm="100000">
+                                          <p:val>
+                                            <p:strVal val="#ppt_y"/>
+                                          </p:val>
+                                        </p:tav>
+                                      </p:tavLst>
+                                    </p:anim>
+                                  </p:childTnLst>
+                                </p:cTn>
+                              </p:par>
+                            </p:childTnLst>
+                          </p:cTn>
+                        </p:par>
+                      </p:childTnLst>
+                    </p:cTn>
+                  </p:par>
+                </p:childTnLst>
+              </p:cTn>
+              <p:prevCondLst>
+                <p:cond evt="onPrev" delay="0">
+                  <p:tgtEl>
+                    <p:sldTgt/>
+                  </p:tgtEl>
+                </p:cond>
+              </p:prevCondLst>
+              <p:nextCondLst>
+                <p:cond evt="onNext" delay="0">
+                  <p:tgtEl>
+                    <p:sldTgt/>
+                  </p:tgtEl>
+                </p:cond>
+              </p:nextCondLst>
+            </p:seq>
+          </p:childTnLst>
+        </p:cTn>
+      </p:par>
+    </p:tnLst>
+    <p:bldLst>
+      <p:bldP spid="3" grpId="0" build="p"/>
+    </p:bldLst>
+  </p:timing>
 </p:sld>
 </file>
 
@@ -7976,7 +9451,6 @@
               <a:rPr lang="de-DE" sz="3200" dirty="0"/>
               <a:t>Änderungen am Entwurf</a:t>
             </a:r>
-            <a:endParaRPr lang="de-DE" sz="3200" dirty="0"/>
           </a:p>
           <a:p>
             <a:pPr marL="457200" indent="-457200">
@@ -8043,13 +9517,13 @@
   <p:clrMapOvr>
     <a:masterClrMapping/>
   </p:clrMapOvr>
-  <mc:AlternateContent xmlns:mc="http://schemas.openxmlformats.org/markup-compatibility/2006">
-    <mc:Choice xmlns:p15="http://schemas.microsoft.com/office/powerpoint/2012/main" Requires="p15">
+  <mc:AlternateContent xmlns:mc="http://schemas.openxmlformats.org/markup-compatibility/2006" xmlns:p15="http://schemas.microsoft.com/office/powerpoint/2012/main">
+    <mc:Choice Requires="p15">
       <p:transition xmlns:p14="http://schemas.microsoft.com/office/powerpoint/2010/main" spd="slow" p14:dur="1250">
         <p15:prstTrans prst="pageCurlDouble"/>
       </p:transition>
     </mc:Choice>
-    <mc:Fallback>
+    <mc:Fallback xmlns="">
       <p:transition spd="slow">
         <p:fade/>
       </p:transition>
@@ -8219,13 +9693,13 @@
   <p:clrMapOvr>
     <a:masterClrMapping/>
   </p:clrMapOvr>
-  <mc:AlternateContent xmlns:mc="http://schemas.openxmlformats.org/markup-compatibility/2006">
-    <mc:Choice xmlns:p14="http://schemas.microsoft.com/office/powerpoint/2010/main" Requires="p14">
+  <mc:AlternateContent xmlns:mc="http://schemas.openxmlformats.org/markup-compatibility/2006" xmlns:p14="http://schemas.microsoft.com/office/powerpoint/2010/main">
+    <mc:Choice Requires="p14">
       <p:transition spd="med" p14:dur="700">
         <p:fade/>
       </p:transition>
     </mc:Choice>
-    <mc:Fallback>
+    <mc:Fallback xmlns="">
       <p:transition spd="med">
         <p:fade/>
       </p:transition>
@@ -8561,13 +10035,13 @@
   <p:clrMapOvr>
     <a:masterClrMapping/>
   </p:clrMapOvr>
-  <mc:AlternateContent xmlns:mc="http://schemas.openxmlformats.org/markup-compatibility/2006">
-    <mc:Choice xmlns:p14="http://schemas.microsoft.com/office/powerpoint/2010/main" Requires="p14">
+  <mc:AlternateContent xmlns:mc="http://schemas.openxmlformats.org/markup-compatibility/2006" xmlns:p14="http://schemas.microsoft.com/office/powerpoint/2010/main">
+    <mc:Choice Requires="p14">
       <p:transition spd="med" p14:dur="700">
         <p:fade/>
       </p:transition>
     </mc:Choice>
-    <mc:Fallback>
+    <mc:Fallback xmlns="">
       <p:transition spd="med">
         <p:fade/>
       </p:transition>
@@ -8908,13 +10382,13 @@
   <p:clrMapOvr>
     <a:masterClrMapping/>
   </p:clrMapOvr>
-  <mc:AlternateContent xmlns:mc="http://schemas.openxmlformats.org/markup-compatibility/2006">
-    <mc:Choice xmlns:p14="http://schemas.microsoft.com/office/powerpoint/2010/main" Requires="p14">
+  <mc:AlternateContent xmlns:mc="http://schemas.openxmlformats.org/markup-compatibility/2006" xmlns:p14="http://schemas.microsoft.com/office/powerpoint/2010/main">
+    <mc:Choice Requires="p14">
       <p:transition spd="med" p14:dur="700">
         <p:fade/>
       </p:transition>
     </mc:Choice>
-    <mc:Fallback>
+    <mc:Fallback xmlns="">
       <p:transition spd="med">
         <p:fade/>
       </p:transition>
@@ -9231,13 +10705,13 @@
   <p:clrMapOvr>
     <a:masterClrMapping/>
   </p:clrMapOvr>
-  <mc:AlternateContent xmlns:mc="http://schemas.openxmlformats.org/markup-compatibility/2006">
-    <mc:Choice xmlns:p14="http://schemas.microsoft.com/office/powerpoint/2010/main" Requires="p14">
+  <mc:AlternateContent xmlns:mc="http://schemas.openxmlformats.org/markup-compatibility/2006" xmlns:p14="http://schemas.microsoft.com/office/powerpoint/2010/main">
+    <mc:Choice Requires="p14">
       <p:transition spd="med" p14:dur="700">
         <p:fade/>
       </p:transition>
     </mc:Choice>
-    <mc:Fallback>
+    <mc:Fallback xmlns="">
       <p:transition spd="med">
         <p:fade/>
       </p:transition>
@@ -9550,6 +11024,348 @@
   <p:clrMapOvr>
     <a:masterClrMapping/>
   </p:clrMapOvr>
+  <p:timing>
+    <p:tnLst>
+      <p:par>
+        <p:cTn id="1" dur="indefinite" restart="never" nodeType="tmRoot">
+          <p:childTnLst>
+            <p:seq concurrent="1" nextAc="seek">
+              <p:cTn id="2" dur="indefinite" nodeType="mainSeq">
+                <p:childTnLst>
+                  <p:par>
+                    <p:cTn id="3" fill="hold">
+                      <p:stCondLst>
+                        <p:cond delay="indefinite"/>
+                      </p:stCondLst>
+                      <p:childTnLst>
+                        <p:par>
+                          <p:cTn id="4" fill="hold">
+                            <p:stCondLst>
+                              <p:cond delay="0"/>
+                            </p:stCondLst>
+                            <p:childTnLst>
+                              <p:par>
+                                <p:cTn id="5" presetID="2" presetClass="entr" presetSubtype="4" fill="hold" grpId="0" nodeType="clickEffect">
+                                  <p:stCondLst>
+                                    <p:cond delay="0"/>
+                                  </p:stCondLst>
+                                  <p:childTnLst>
+                                    <p:set>
+                                      <p:cBhvr>
+                                        <p:cTn id="6" dur="1" fill="hold">
+                                          <p:stCondLst>
+                                            <p:cond delay="0"/>
+                                          </p:stCondLst>
+                                        </p:cTn>
+                                        <p:tgtEl>
+                                          <p:spTgt spid="3">
+                                            <p:txEl>
+                                              <p:pRg st="0" end="0"/>
+                                            </p:txEl>
+                                          </p:spTgt>
+                                        </p:tgtEl>
+                                        <p:attrNameLst>
+                                          <p:attrName>style.visibility</p:attrName>
+                                        </p:attrNameLst>
+                                      </p:cBhvr>
+                                      <p:to>
+                                        <p:strVal val="visible"/>
+                                      </p:to>
+                                    </p:set>
+                                    <p:anim calcmode="lin" valueType="num">
+                                      <p:cBhvr additive="base">
+                                        <p:cTn id="7" dur="500" fill="hold"/>
+                                        <p:tgtEl>
+                                          <p:spTgt spid="3">
+                                            <p:txEl>
+                                              <p:pRg st="0" end="0"/>
+                                            </p:txEl>
+                                          </p:spTgt>
+                                        </p:tgtEl>
+                                        <p:attrNameLst>
+                                          <p:attrName>ppt_x</p:attrName>
+                                        </p:attrNameLst>
+                                      </p:cBhvr>
+                                      <p:tavLst>
+                                        <p:tav tm="0">
+                                          <p:val>
+                                            <p:strVal val="#ppt_x"/>
+                                          </p:val>
+                                        </p:tav>
+                                        <p:tav tm="100000">
+                                          <p:val>
+                                            <p:strVal val="#ppt_x"/>
+                                          </p:val>
+                                        </p:tav>
+                                      </p:tavLst>
+                                    </p:anim>
+                                    <p:anim calcmode="lin" valueType="num">
+                                      <p:cBhvr additive="base">
+                                        <p:cTn id="8" dur="500" fill="hold"/>
+                                        <p:tgtEl>
+                                          <p:spTgt spid="3">
+                                            <p:txEl>
+                                              <p:pRg st="0" end="0"/>
+                                            </p:txEl>
+                                          </p:spTgt>
+                                        </p:tgtEl>
+                                        <p:attrNameLst>
+                                          <p:attrName>ppt_y</p:attrName>
+                                        </p:attrNameLst>
+                                      </p:cBhvr>
+                                      <p:tavLst>
+                                        <p:tav tm="0">
+                                          <p:val>
+                                            <p:strVal val="1+#ppt_h/2"/>
+                                          </p:val>
+                                        </p:tav>
+                                        <p:tav tm="100000">
+                                          <p:val>
+                                            <p:strVal val="#ppt_y"/>
+                                          </p:val>
+                                        </p:tav>
+                                      </p:tavLst>
+                                    </p:anim>
+                                  </p:childTnLst>
+                                </p:cTn>
+                              </p:par>
+                            </p:childTnLst>
+                          </p:cTn>
+                        </p:par>
+                      </p:childTnLst>
+                    </p:cTn>
+                  </p:par>
+                  <p:par>
+                    <p:cTn id="9" fill="hold">
+                      <p:stCondLst>
+                        <p:cond delay="indefinite"/>
+                      </p:stCondLst>
+                      <p:childTnLst>
+                        <p:par>
+                          <p:cTn id="10" fill="hold">
+                            <p:stCondLst>
+                              <p:cond delay="0"/>
+                            </p:stCondLst>
+                            <p:childTnLst>
+                              <p:par>
+                                <p:cTn id="11" presetID="2" presetClass="entr" presetSubtype="4" fill="hold" grpId="0" nodeType="clickEffect">
+                                  <p:stCondLst>
+                                    <p:cond delay="0"/>
+                                  </p:stCondLst>
+                                  <p:childTnLst>
+                                    <p:set>
+                                      <p:cBhvr>
+                                        <p:cTn id="12" dur="1" fill="hold">
+                                          <p:stCondLst>
+                                            <p:cond delay="0"/>
+                                          </p:stCondLst>
+                                        </p:cTn>
+                                        <p:tgtEl>
+                                          <p:spTgt spid="3">
+                                            <p:txEl>
+                                              <p:pRg st="1" end="1"/>
+                                            </p:txEl>
+                                          </p:spTgt>
+                                        </p:tgtEl>
+                                        <p:attrNameLst>
+                                          <p:attrName>style.visibility</p:attrName>
+                                        </p:attrNameLst>
+                                      </p:cBhvr>
+                                      <p:to>
+                                        <p:strVal val="visible"/>
+                                      </p:to>
+                                    </p:set>
+                                    <p:anim calcmode="lin" valueType="num">
+                                      <p:cBhvr additive="base">
+                                        <p:cTn id="13" dur="500" fill="hold"/>
+                                        <p:tgtEl>
+                                          <p:spTgt spid="3">
+                                            <p:txEl>
+                                              <p:pRg st="1" end="1"/>
+                                            </p:txEl>
+                                          </p:spTgt>
+                                        </p:tgtEl>
+                                        <p:attrNameLst>
+                                          <p:attrName>ppt_x</p:attrName>
+                                        </p:attrNameLst>
+                                      </p:cBhvr>
+                                      <p:tavLst>
+                                        <p:tav tm="0">
+                                          <p:val>
+                                            <p:strVal val="#ppt_x"/>
+                                          </p:val>
+                                        </p:tav>
+                                        <p:tav tm="100000">
+                                          <p:val>
+                                            <p:strVal val="#ppt_x"/>
+                                          </p:val>
+                                        </p:tav>
+                                      </p:tavLst>
+                                    </p:anim>
+                                    <p:anim calcmode="lin" valueType="num">
+                                      <p:cBhvr additive="base">
+                                        <p:cTn id="14" dur="500" fill="hold"/>
+                                        <p:tgtEl>
+                                          <p:spTgt spid="3">
+                                            <p:txEl>
+                                              <p:pRg st="1" end="1"/>
+                                            </p:txEl>
+                                          </p:spTgt>
+                                        </p:tgtEl>
+                                        <p:attrNameLst>
+                                          <p:attrName>ppt_y</p:attrName>
+                                        </p:attrNameLst>
+                                      </p:cBhvr>
+                                      <p:tavLst>
+                                        <p:tav tm="0">
+                                          <p:val>
+                                            <p:strVal val="1+#ppt_h/2"/>
+                                          </p:val>
+                                        </p:tav>
+                                        <p:tav tm="100000">
+                                          <p:val>
+                                            <p:strVal val="#ppt_y"/>
+                                          </p:val>
+                                        </p:tav>
+                                      </p:tavLst>
+                                    </p:anim>
+                                  </p:childTnLst>
+                                </p:cTn>
+                              </p:par>
+                            </p:childTnLst>
+                          </p:cTn>
+                        </p:par>
+                      </p:childTnLst>
+                    </p:cTn>
+                  </p:par>
+                  <p:par>
+                    <p:cTn id="15" fill="hold">
+                      <p:stCondLst>
+                        <p:cond delay="indefinite"/>
+                      </p:stCondLst>
+                      <p:childTnLst>
+                        <p:par>
+                          <p:cTn id="16" fill="hold">
+                            <p:stCondLst>
+                              <p:cond delay="0"/>
+                            </p:stCondLst>
+                            <p:childTnLst>
+                              <p:par>
+                                <p:cTn id="17" presetID="2" presetClass="entr" presetSubtype="4" fill="hold" grpId="0" nodeType="clickEffect">
+                                  <p:stCondLst>
+                                    <p:cond delay="0"/>
+                                  </p:stCondLst>
+                                  <p:childTnLst>
+                                    <p:set>
+                                      <p:cBhvr>
+                                        <p:cTn id="18" dur="1" fill="hold">
+                                          <p:stCondLst>
+                                            <p:cond delay="0"/>
+                                          </p:stCondLst>
+                                        </p:cTn>
+                                        <p:tgtEl>
+                                          <p:spTgt spid="3">
+                                            <p:txEl>
+                                              <p:pRg st="2" end="2"/>
+                                            </p:txEl>
+                                          </p:spTgt>
+                                        </p:tgtEl>
+                                        <p:attrNameLst>
+                                          <p:attrName>style.visibility</p:attrName>
+                                        </p:attrNameLst>
+                                      </p:cBhvr>
+                                      <p:to>
+                                        <p:strVal val="visible"/>
+                                      </p:to>
+                                    </p:set>
+                                    <p:anim calcmode="lin" valueType="num">
+                                      <p:cBhvr additive="base">
+                                        <p:cTn id="19" dur="500" fill="hold"/>
+                                        <p:tgtEl>
+                                          <p:spTgt spid="3">
+                                            <p:txEl>
+                                              <p:pRg st="2" end="2"/>
+                                            </p:txEl>
+                                          </p:spTgt>
+                                        </p:tgtEl>
+                                        <p:attrNameLst>
+                                          <p:attrName>ppt_x</p:attrName>
+                                        </p:attrNameLst>
+                                      </p:cBhvr>
+                                      <p:tavLst>
+                                        <p:tav tm="0">
+                                          <p:val>
+                                            <p:strVal val="#ppt_x"/>
+                                          </p:val>
+                                        </p:tav>
+                                        <p:tav tm="100000">
+                                          <p:val>
+                                            <p:strVal val="#ppt_x"/>
+                                          </p:val>
+                                        </p:tav>
+                                      </p:tavLst>
+                                    </p:anim>
+                                    <p:anim calcmode="lin" valueType="num">
+                                      <p:cBhvr additive="base">
+                                        <p:cTn id="20" dur="500" fill="hold"/>
+                                        <p:tgtEl>
+                                          <p:spTgt spid="3">
+                                            <p:txEl>
+                                              <p:pRg st="2" end="2"/>
+                                            </p:txEl>
+                                          </p:spTgt>
+                                        </p:tgtEl>
+                                        <p:attrNameLst>
+                                          <p:attrName>ppt_y</p:attrName>
+                                        </p:attrNameLst>
+                                      </p:cBhvr>
+                                      <p:tavLst>
+                                        <p:tav tm="0">
+                                          <p:val>
+                                            <p:strVal val="1+#ppt_h/2"/>
+                                          </p:val>
+                                        </p:tav>
+                                        <p:tav tm="100000">
+                                          <p:val>
+                                            <p:strVal val="#ppt_y"/>
+                                          </p:val>
+                                        </p:tav>
+                                      </p:tavLst>
+                                    </p:anim>
+                                  </p:childTnLst>
+                                </p:cTn>
+                              </p:par>
+                            </p:childTnLst>
+                          </p:cTn>
+                        </p:par>
+                      </p:childTnLst>
+                    </p:cTn>
+                  </p:par>
+                </p:childTnLst>
+              </p:cTn>
+              <p:prevCondLst>
+                <p:cond evt="onPrev" delay="0">
+                  <p:tgtEl>
+                    <p:sldTgt/>
+                  </p:tgtEl>
+                </p:cond>
+              </p:prevCondLst>
+              <p:nextCondLst>
+                <p:cond evt="onNext" delay="0">
+                  <p:tgtEl>
+                    <p:sldTgt/>
+                  </p:tgtEl>
+                </p:cond>
+              </p:nextCondLst>
+            </p:seq>
+          </p:childTnLst>
+        </p:cTn>
+      </p:par>
+    </p:tnLst>
+    <p:bldLst>
+      <p:bldP spid="3" grpId="0" build="p"/>
+    </p:bldLst>
+  </p:timing>
 </p:sld>
 </file>
 
@@ -9755,6 +11571,451 @@
   <p:clrMapOvr>
     <a:masterClrMapping/>
   </p:clrMapOvr>
+  <p:timing>
+    <p:tnLst>
+      <p:par>
+        <p:cTn id="1" dur="indefinite" restart="never" nodeType="tmRoot">
+          <p:childTnLst>
+            <p:seq concurrent="1" nextAc="seek">
+              <p:cTn id="2" dur="indefinite" nodeType="mainSeq">
+                <p:childTnLst>
+                  <p:par>
+                    <p:cTn id="3" fill="hold">
+                      <p:stCondLst>
+                        <p:cond delay="indefinite"/>
+                      </p:stCondLst>
+                      <p:childTnLst>
+                        <p:par>
+                          <p:cTn id="4" fill="hold">
+                            <p:stCondLst>
+                              <p:cond delay="0"/>
+                            </p:stCondLst>
+                            <p:childTnLst>
+                              <p:par>
+                                <p:cTn id="5" presetID="2" presetClass="entr" presetSubtype="4" fill="hold" grpId="0" nodeType="clickEffect">
+                                  <p:stCondLst>
+                                    <p:cond delay="0"/>
+                                  </p:stCondLst>
+                                  <p:childTnLst>
+                                    <p:set>
+                                      <p:cBhvr>
+                                        <p:cTn id="6" dur="1" fill="hold">
+                                          <p:stCondLst>
+                                            <p:cond delay="0"/>
+                                          </p:stCondLst>
+                                        </p:cTn>
+                                        <p:tgtEl>
+                                          <p:spTgt spid="3">
+                                            <p:txEl>
+                                              <p:pRg st="0" end="0"/>
+                                            </p:txEl>
+                                          </p:spTgt>
+                                        </p:tgtEl>
+                                        <p:attrNameLst>
+                                          <p:attrName>style.visibility</p:attrName>
+                                        </p:attrNameLst>
+                                      </p:cBhvr>
+                                      <p:to>
+                                        <p:strVal val="visible"/>
+                                      </p:to>
+                                    </p:set>
+                                    <p:anim calcmode="lin" valueType="num">
+                                      <p:cBhvr additive="base">
+                                        <p:cTn id="7" dur="500" fill="hold"/>
+                                        <p:tgtEl>
+                                          <p:spTgt spid="3">
+                                            <p:txEl>
+                                              <p:pRg st="0" end="0"/>
+                                            </p:txEl>
+                                          </p:spTgt>
+                                        </p:tgtEl>
+                                        <p:attrNameLst>
+                                          <p:attrName>ppt_x</p:attrName>
+                                        </p:attrNameLst>
+                                      </p:cBhvr>
+                                      <p:tavLst>
+                                        <p:tav tm="0">
+                                          <p:val>
+                                            <p:strVal val="#ppt_x"/>
+                                          </p:val>
+                                        </p:tav>
+                                        <p:tav tm="100000">
+                                          <p:val>
+                                            <p:strVal val="#ppt_x"/>
+                                          </p:val>
+                                        </p:tav>
+                                      </p:tavLst>
+                                    </p:anim>
+                                    <p:anim calcmode="lin" valueType="num">
+                                      <p:cBhvr additive="base">
+                                        <p:cTn id="8" dur="500" fill="hold"/>
+                                        <p:tgtEl>
+                                          <p:spTgt spid="3">
+                                            <p:txEl>
+                                              <p:pRg st="0" end="0"/>
+                                            </p:txEl>
+                                          </p:spTgt>
+                                        </p:tgtEl>
+                                        <p:attrNameLst>
+                                          <p:attrName>ppt_y</p:attrName>
+                                        </p:attrNameLst>
+                                      </p:cBhvr>
+                                      <p:tavLst>
+                                        <p:tav tm="0">
+                                          <p:val>
+                                            <p:strVal val="1+#ppt_h/2"/>
+                                          </p:val>
+                                        </p:tav>
+                                        <p:tav tm="100000">
+                                          <p:val>
+                                            <p:strVal val="#ppt_y"/>
+                                          </p:val>
+                                        </p:tav>
+                                      </p:tavLst>
+                                    </p:anim>
+                                  </p:childTnLst>
+                                </p:cTn>
+                              </p:par>
+                            </p:childTnLst>
+                          </p:cTn>
+                        </p:par>
+                      </p:childTnLst>
+                    </p:cTn>
+                  </p:par>
+                  <p:par>
+                    <p:cTn id="9" fill="hold">
+                      <p:stCondLst>
+                        <p:cond delay="indefinite"/>
+                      </p:stCondLst>
+                      <p:childTnLst>
+                        <p:par>
+                          <p:cTn id="10" fill="hold">
+                            <p:stCondLst>
+                              <p:cond delay="0"/>
+                            </p:stCondLst>
+                            <p:childTnLst>
+                              <p:par>
+                                <p:cTn id="11" presetID="2" presetClass="entr" presetSubtype="4" fill="hold" grpId="0" nodeType="clickEffect">
+                                  <p:stCondLst>
+                                    <p:cond delay="0"/>
+                                  </p:stCondLst>
+                                  <p:childTnLst>
+                                    <p:set>
+                                      <p:cBhvr>
+                                        <p:cTn id="12" dur="1" fill="hold">
+                                          <p:stCondLst>
+                                            <p:cond delay="0"/>
+                                          </p:stCondLst>
+                                        </p:cTn>
+                                        <p:tgtEl>
+                                          <p:spTgt spid="3">
+                                            <p:txEl>
+                                              <p:pRg st="1" end="1"/>
+                                            </p:txEl>
+                                          </p:spTgt>
+                                        </p:tgtEl>
+                                        <p:attrNameLst>
+                                          <p:attrName>style.visibility</p:attrName>
+                                        </p:attrNameLst>
+                                      </p:cBhvr>
+                                      <p:to>
+                                        <p:strVal val="visible"/>
+                                      </p:to>
+                                    </p:set>
+                                    <p:anim calcmode="lin" valueType="num">
+                                      <p:cBhvr additive="base">
+                                        <p:cTn id="13" dur="500" fill="hold"/>
+                                        <p:tgtEl>
+                                          <p:spTgt spid="3">
+                                            <p:txEl>
+                                              <p:pRg st="1" end="1"/>
+                                            </p:txEl>
+                                          </p:spTgt>
+                                        </p:tgtEl>
+                                        <p:attrNameLst>
+                                          <p:attrName>ppt_x</p:attrName>
+                                        </p:attrNameLst>
+                                      </p:cBhvr>
+                                      <p:tavLst>
+                                        <p:tav tm="0">
+                                          <p:val>
+                                            <p:strVal val="#ppt_x"/>
+                                          </p:val>
+                                        </p:tav>
+                                        <p:tav tm="100000">
+                                          <p:val>
+                                            <p:strVal val="#ppt_x"/>
+                                          </p:val>
+                                        </p:tav>
+                                      </p:tavLst>
+                                    </p:anim>
+                                    <p:anim calcmode="lin" valueType="num">
+                                      <p:cBhvr additive="base">
+                                        <p:cTn id="14" dur="500" fill="hold"/>
+                                        <p:tgtEl>
+                                          <p:spTgt spid="3">
+                                            <p:txEl>
+                                              <p:pRg st="1" end="1"/>
+                                            </p:txEl>
+                                          </p:spTgt>
+                                        </p:tgtEl>
+                                        <p:attrNameLst>
+                                          <p:attrName>ppt_y</p:attrName>
+                                        </p:attrNameLst>
+                                      </p:cBhvr>
+                                      <p:tavLst>
+                                        <p:tav tm="0">
+                                          <p:val>
+                                            <p:strVal val="1+#ppt_h/2"/>
+                                          </p:val>
+                                        </p:tav>
+                                        <p:tav tm="100000">
+                                          <p:val>
+                                            <p:strVal val="#ppt_y"/>
+                                          </p:val>
+                                        </p:tav>
+                                      </p:tavLst>
+                                    </p:anim>
+                                  </p:childTnLst>
+                                </p:cTn>
+                              </p:par>
+                            </p:childTnLst>
+                          </p:cTn>
+                        </p:par>
+                      </p:childTnLst>
+                    </p:cTn>
+                  </p:par>
+                  <p:par>
+                    <p:cTn id="15" fill="hold">
+                      <p:stCondLst>
+                        <p:cond delay="indefinite"/>
+                      </p:stCondLst>
+                      <p:childTnLst>
+                        <p:par>
+                          <p:cTn id="16" fill="hold">
+                            <p:stCondLst>
+                              <p:cond delay="0"/>
+                            </p:stCondLst>
+                            <p:childTnLst>
+                              <p:par>
+                                <p:cTn id="17" presetID="2" presetClass="entr" presetSubtype="4" fill="hold" grpId="0" nodeType="clickEffect">
+                                  <p:stCondLst>
+                                    <p:cond delay="0"/>
+                                  </p:stCondLst>
+                                  <p:childTnLst>
+                                    <p:set>
+                                      <p:cBhvr>
+                                        <p:cTn id="18" dur="1" fill="hold">
+                                          <p:stCondLst>
+                                            <p:cond delay="0"/>
+                                          </p:stCondLst>
+                                        </p:cTn>
+                                        <p:tgtEl>
+                                          <p:spTgt spid="3">
+                                            <p:txEl>
+                                              <p:pRg st="2" end="2"/>
+                                            </p:txEl>
+                                          </p:spTgt>
+                                        </p:tgtEl>
+                                        <p:attrNameLst>
+                                          <p:attrName>style.visibility</p:attrName>
+                                        </p:attrNameLst>
+                                      </p:cBhvr>
+                                      <p:to>
+                                        <p:strVal val="visible"/>
+                                      </p:to>
+                                    </p:set>
+                                    <p:anim calcmode="lin" valueType="num">
+                                      <p:cBhvr additive="base">
+                                        <p:cTn id="19" dur="500" fill="hold"/>
+                                        <p:tgtEl>
+                                          <p:spTgt spid="3">
+                                            <p:txEl>
+                                              <p:pRg st="2" end="2"/>
+                                            </p:txEl>
+                                          </p:spTgt>
+                                        </p:tgtEl>
+                                        <p:attrNameLst>
+                                          <p:attrName>ppt_x</p:attrName>
+                                        </p:attrNameLst>
+                                      </p:cBhvr>
+                                      <p:tavLst>
+                                        <p:tav tm="0">
+                                          <p:val>
+                                            <p:strVal val="#ppt_x"/>
+                                          </p:val>
+                                        </p:tav>
+                                        <p:tav tm="100000">
+                                          <p:val>
+                                            <p:strVal val="#ppt_x"/>
+                                          </p:val>
+                                        </p:tav>
+                                      </p:tavLst>
+                                    </p:anim>
+                                    <p:anim calcmode="lin" valueType="num">
+                                      <p:cBhvr additive="base">
+                                        <p:cTn id="20" dur="500" fill="hold"/>
+                                        <p:tgtEl>
+                                          <p:spTgt spid="3">
+                                            <p:txEl>
+                                              <p:pRg st="2" end="2"/>
+                                            </p:txEl>
+                                          </p:spTgt>
+                                        </p:tgtEl>
+                                        <p:attrNameLst>
+                                          <p:attrName>ppt_y</p:attrName>
+                                        </p:attrNameLst>
+                                      </p:cBhvr>
+                                      <p:tavLst>
+                                        <p:tav tm="0">
+                                          <p:val>
+                                            <p:strVal val="1+#ppt_h/2"/>
+                                          </p:val>
+                                        </p:tav>
+                                        <p:tav tm="100000">
+                                          <p:val>
+                                            <p:strVal val="#ppt_y"/>
+                                          </p:val>
+                                        </p:tav>
+                                      </p:tavLst>
+                                    </p:anim>
+                                  </p:childTnLst>
+                                </p:cTn>
+                              </p:par>
+                            </p:childTnLst>
+                          </p:cTn>
+                        </p:par>
+                      </p:childTnLst>
+                    </p:cTn>
+                  </p:par>
+                  <p:par>
+                    <p:cTn id="21" fill="hold">
+                      <p:stCondLst>
+                        <p:cond delay="indefinite"/>
+                      </p:stCondLst>
+                      <p:childTnLst>
+                        <p:par>
+                          <p:cTn id="22" fill="hold">
+                            <p:stCondLst>
+                              <p:cond delay="0"/>
+                            </p:stCondLst>
+                            <p:childTnLst>
+                              <p:par>
+                                <p:cTn id="23" presetID="2" presetClass="entr" presetSubtype="4" fill="hold" grpId="0" nodeType="clickEffect">
+                                  <p:stCondLst>
+                                    <p:cond delay="0"/>
+                                  </p:stCondLst>
+                                  <p:childTnLst>
+                                    <p:set>
+                                      <p:cBhvr>
+                                        <p:cTn id="24" dur="1" fill="hold">
+                                          <p:stCondLst>
+                                            <p:cond delay="0"/>
+                                          </p:stCondLst>
+                                        </p:cTn>
+                                        <p:tgtEl>
+                                          <p:spTgt spid="3">
+                                            <p:txEl>
+                                              <p:pRg st="3" end="3"/>
+                                            </p:txEl>
+                                          </p:spTgt>
+                                        </p:tgtEl>
+                                        <p:attrNameLst>
+                                          <p:attrName>style.visibility</p:attrName>
+                                        </p:attrNameLst>
+                                      </p:cBhvr>
+                                      <p:to>
+                                        <p:strVal val="visible"/>
+                                      </p:to>
+                                    </p:set>
+                                    <p:anim calcmode="lin" valueType="num">
+                                      <p:cBhvr additive="base">
+                                        <p:cTn id="25" dur="500" fill="hold"/>
+                                        <p:tgtEl>
+                                          <p:spTgt spid="3">
+                                            <p:txEl>
+                                              <p:pRg st="3" end="3"/>
+                                            </p:txEl>
+                                          </p:spTgt>
+                                        </p:tgtEl>
+                                        <p:attrNameLst>
+                                          <p:attrName>ppt_x</p:attrName>
+                                        </p:attrNameLst>
+                                      </p:cBhvr>
+                                      <p:tavLst>
+                                        <p:tav tm="0">
+                                          <p:val>
+                                            <p:strVal val="#ppt_x"/>
+                                          </p:val>
+                                        </p:tav>
+                                        <p:tav tm="100000">
+                                          <p:val>
+                                            <p:strVal val="#ppt_x"/>
+                                          </p:val>
+                                        </p:tav>
+                                      </p:tavLst>
+                                    </p:anim>
+                                    <p:anim calcmode="lin" valueType="num">
+                                      <p:cBhvr additive="base">
+                                        <p:cTn id="26" dur="500" fill="hold"/>
+                                        <p:tgtEl>
+                                          <p:spTgt spid="3">
+                                            <p:txEl>
+                                              <p:pRg st="3" end="3"/>
+                                            </p:txEl>
+                                          </p:spTgt>
+                                        </p:tgtEl>
+                                        <p:attrNameLst>
+                                          <p:attrName>ppt_y</p:attrName>
+                                        </p:attrNameLst>
+                                      </p:cBhvr>
+                                      <p:tavLst>
+                                        <p:tav tm="0">
+                                          <p:val>
+                                            <p:strVal val="1+#ppt_h/2"/>
+                                          </p:val>
+                                        </p:tav>
+                                        <p:tav tm="100000">
+                                          <p:val>
+                                            <p:strVal val="#ppt_y"/>
+                                          </p:val>
+                                        </p:tav>
+                                      </p:tavLst>
+                                    </p:anim>
+                                  </p:childTnLst>
+                                </p:cTn>
+                              </p:par>
+                            </p:childTnLst>
+                          </p:cTn>
+                        </p:par>
+                      </p:childTnLst>
+                    </p:cTn>
+                  </p:par>
+                </p:childTnLst>
+              </p:cTn>
+              <p:prevCondLst>
+                <p:cond evt="onPrev" delay="0">
+                  <p:tgtEl>
+                    <p:sldTgt/>
+                  </p:tgtEl>
+                </p:cond>
+              </p:prevCondLst>
+              <p:nextCondLst>
+                <p:cond evt="onNext" delay="0">
+                  <p:tgtEl>
+                    <p:sldTgt/>
+                  </p:tgtEl>
+                </p:cond>
+              </p:nextCondLst>
+            </p:seq>
+          </p:childTnLst>
+        </p:cTn>
+      </p:par>
+    </p:tnLst>
+    <p:bldLst>
+      <p:bldP spid="3" grpId="0" build="p"/>
+    </p:bldLst>
+  </p:timing>
 </p:sld>
 </file>
 
@@ -9939,6 +12200,348 @@
   <p:clrMapOvr>
     <a:masterClrMapping/>
   </p:clrMapOvr>
+  <p:timing>
+    <p:tnLst>
+      <p:par>
+        <p:cTn id="1" dur="indefinite" restart="never" nodeType="tmRoot">
+          <p:childTnLst>
+            <p:seq concurrent="1" nextAc="seek">
+              <p:cTn id="2" dur="indefinite" nodeType="mainSeq">
+                <p:childTnLst>
+                  <p:par>
+                    <p:cTn id="3" fill="hold">
+                      <p:stCondLst>
+                        <p:cond delay="indefinite"/>
+                      </p:stCondLst>
+                      <p:childTnLst>
+                        <p:par>
+                          <p:cTn id="4" fill="hold">
+                            <p:stCondLst>
+                              <p:cond delay="0"/>
+                            </p:stCondLst>
+                            <p:childTnLst>
+                              <p:par>
+                                <p:cTn id="5" presetID="2" presetClass="entr" presetSubtype="4" fill="hold" grpId="0" nodeType="clickEffect">
+                                  <p:stCondLst>
+                                    <p:cond delay="0"/>
+                                  </p:stCondLst>
+                                  <p:childTnLst>
+                                    <p:set>
+                                      <p:cBhvr>
+                                        <p:cTn id="6" dur="1" fill="hold">
+                                          <p:stCondLst>
+                                            <p:cond delay="0"/>
+                                          </p:stCondLst>
+                                        </p:cTn>
+                                        <p:tgtEl>
+                                          <p:spTgt spid="3">
+                                            <p:txEl>
+                                              <p:pRg st="0" end="0"/>
+                                            </p:txEl>
+                                          </p:spTgt>
+                                        </p:tgtEl>
+                                        <p:attrNameLst>
+                                          <p:attrName>style.visibility</p:attrName>
+                                        </p:attrNameLst>
+                                      </p:cBhvr>
+                                      <p:to>
+                                        <p:strVal val="visible"/>
+                                      </p:to>
+                                    </p:set>
+                                    <p:anim calcmode="lin" valueType="num">
+                                      <p:cBhvr additive="base">
+                                        <p:cTn id="7" dur="500" fill="hold"/>
+                                        <p:tgtEl>
+                                          <p:spTgt spid="3">
+                                            <p:txEl>
+                                              <p:pRg st="0" end="0"/>
+                                            </p:txEl>
+                                          </p:spTgt>
+                                        </p:tgtEl>
+                                        <p:attrNameLst>
+                                          <p:attrName>ppt_x</p:attrName>
+                                        </p:attrNameLst>
+                                      </p:cBhvr>
+                                      <p:tavLst>
+                                        <p:tav tm="0">
+                                          <p:val>
+                                            <p:strVal val="#ppt_x"/>
+                                          </p:val>
+                                        </p:tav>
+                                        <p:tav tm="100000">
+                                          <p:val>
+                                            <p:strVal val="#ppt_x"/>
+                                          </p:val>
+                                        </p:tav>
+                                      </p:tavLst>
+                                    </p:anim>
+                                    <p:anim calcmode="lin" valueType="num">
+                                      <p:cBhvr additive="base">
+                                        <p:cTn id="8" dur="500" fill="hold"/>
+                                        <p:tgtEl>
+                                          <p:spTgt spid="3">
+                                            <p:txEl>
+                                              <p:pRg st="0" end="0"/>
+                                            </p:txEl>
+                                          </p:spTgt>
+                                        </p:tgtEl>
+                                        <p:attrNameLst>
+                                          <p:attrName>ppt_y</p:attrName>
+                                        </p:attrNameLst>
+                                      </p:cBhvr>
+                                      <p:tavLst>
+                                        <p:tav tm="0">
+                                          <p:val>
+                                            <p:strVal val="1+#ppt_h/2"/>
+                                          </p:val>
+                                        </p:tav>
+                                        <p:tav tm="100000">
+                                          <p:val>
+                                            <p:strVal val="#ppt_y"/>
+                                          </p:val>
+                                        </p:tav>
+                                      </p:tavLst>
+                                    </p:anim>
+                                  </p:childTnLst>
+                                </p:cTn>
+                              </p:par>
+                            </p:childTnLst>
+                          </p:cTn>
+                        </p:par>
+                      </p:childTnLst>
+                    </p:cTn>
+                  </p:par>
+                  <p:par>
+                    <p:cTn id="9" fill="hold">
+                      <p:stCondLst>
+                        <p:cond delay="indefinite"/>
+                      </p:stCondLst>
+                      <p:childTnLst>
+                        <p:par>
+                          <p:cTn id="10" fill="hold">
+                            <p:stCondLst>
+                              <p:cond delay="0"/>
+                            </p:stCondLst>
+                            <p:childTnLst>
+                              <p:par>
+                                <p:cTn id="11" presetID="2" presetClass="entr" presetSubtype="4" fill="hold" grpId="0" nodeType="clickEffect">
+                                  <p:stCondLst>
+                                    <p:cond delay="0"/>
+                                  </p:stCondLst>
+                                  <p:childTnLst>
+                                    <p:set>
+                                      <p:cBhvr>
+                                        <p:cTn id="12" dur="1" fill="hold">
+                                          <p:stCondLst>
+                                            <p:cond delay="0"/>
+                                          </p:stCondLst>
+                                        </p:cTn>
+                                        <p:tgtEl>
+                                          <p:spTgt spid="3">
+                                            <p:txEl>
+                                              <p:pRg st="1" end="1"/>
+                                            </p:txEl>
+                                          </p:spTgt>
+                                        </p:tgtEl>
+                                        <p:attrNameLst>
+                                          <p:attrName>style.visibility</p:attrName>
+                                        </p:attrNameLst>
+                                      </p:cBhvr>
+                                      <p:to>
+                                        <p:strVal val="visible"/>
+                                      </p:to>
+                                    </p:set>
+                                    <p:anim calcmode="lin" valueType="num">
+                                      <p:cBhvr additive="base">
+                                        <p:cTn id="13" dur="500" fill="hold"/>
+                                        <p:tgtEl>
+                                          <p:spTgt spid="3">
+                                            <p:txEl>
+                                              <p:pRg st="1" end="1"/>
+                                            </p:txEl>
+                                          </p:spTgt>
+                                        </p:tgtEl>
+                                        <p:attrNameLst>
+                                          <p:attrName>ppt_x</p:attrName>
+                                        </p:attrNameLst>
+                                      </p:cBhvr>
+                                      <p:tavLst>
+                                        <p:tav tm="0">
+                                          <p:val>
+                                            <p:strVal val="#ppt_x"/>
+                                          </p:val>
+                                        </p:tav>
+                                        <p:tav tm="100000">
+                                          <p:val>
+                                            <p:strVal val="#ppt_x"/>
+                                          </p:val>
+                                        </p:tav>
+                                      </p:tavLst>
+                                    </p:anim>
+                                    <p:anim calcmode="lin" valueType="num">
+                                      <p:cBhvr additive="base">
+                                        <p:cTn id="14" dur="500" fill="hold"/>
+                                        <p:tgtEl>
+                                          <p:spTgt spid="3">
+                                            <p:txEl>
+                                              <p:pRg st="1" end="1"/>
+                                            </p:txEl>
+                                          </p:spTgt>
+                                        </p:tgtEl>
+                                        <p:attrNameLst>
+                                          <p:attrName>ppt_y</p:attrName>
+                                        </p:attrNameLst>
+                                      </p:cBhvr>
+                                      <p:tavLst>
+                                        <p:tav tm="0">
+                                          <p:val>
+                                            <p:strVal val="1+#ppt_h/2"/>
+                                          </p:val>
+                                        </p:tav>
+                                        <p:tav tm="100000">
+                                          <p:val>
+                                            <p:strVal val="#ppt_y"/>
+                                          </p:val>
+                                        </p:tav>
+                                      </p:tavLst>
+                                    </p:anim>
+                                  </p:childTnLst>
+                                </p:cTn>
+                              </p:par>
+                            </p:childTnLst>
+                          </p:cTn>
+                        </p:par>
+                      </p:childTnLst>
+                    </p:cTn>
+                  </p:par>
+                  <p:par>
+                    <p:cTn id="15" fill="hold">
+                      <p:stCondLst>
+                        <p:cond delay="indefinite"/>
+                      </p:stCondLst>
+                      <p:childTnLst>
+                        <p:par>
+                          <p:cTn id="16" fill="hold">
+                            <p:stCondLst>
+                              <p:cond delay="0"/>
+                            </p:stCondLst>
+                            <p:childTnLst>
+                              <p:par>
+                                <p:cTn id="17" presetID="2" presetClass="entr" presetSubtype="4" fill="hold" grpId="0" nodeType="clickEffect">
+                                  <p:stCondLst>
+                                    <p:cond delay="0"/>
+                                  </p:stCondLst>
+                                  <p:childTnLst>
+                                    <p:set>
+                                      <p:cBhvr>
+                                        <p:cTn id="18" dur="1" fill="hold">
+                                          <p:stCondLst>
+                                            <p:cond delay="0"/>
+                                          </p:stCondLst>
+                                        </p:cTn>
+                                        <p:tgtEl>
+                                          <p:spTgt spid="3">
+                                            <p:txEl>
+                                              <p:pRg st="2" end="2"/>
+                                            </p:txEl>
+                                          </p:spTgt>
+                                        </p:tgtEl>
+                                        <p:attrNameLst>
+                                          <p:attrName>style.visibility</p:attrName>
+                                        </p:attrNameLst>
+                                      </p:cBhvr>
+                                      <p:to>
+                                        <p:strVal val="visible"/>
+                                      </p:to>
+                                    </p:set>
+                                    <p:anim calcmode="lin" valueType="num">
+                                      <p:cBhvr additive="base">
+                                        <p:cTn id="19" dur="500" fill="hold"/>
+                                        <p:tgtEl>
+                                          <p:spTgt spid="3">
+                                            <p:txEl>
+                                              <p:pRg st="2" end="2"/>
+                                            </p:txEl>
+                                          </p:spTgt>
+                                        </p:tgtEl>
+                                        <p:attrNameLst>
+                                          <p:attrName>ppt_x</p:attrName>
+                                        </p:attrNameLst>
+                                      </p:cBhvr>
+                                      <p:tavLst>
+                                        <p:tav tm="0">
+                                          <p:val>
+                                            <p:strVal val="#ppt_x"/>
+                                          </p:val>
+                                        </p:tav>
+                                        <p:tav tm="100000">
+                                          <p:val>
+                                            <p:strVal val="#ppt_x"/>
+                                          </p:val>
+                                        </p:tav>
+                                      </p:tavLst>
+                                    </p:anim>
+                                    <p:anim calcmode="lin" valueType="num">
+                                      <p:cBhvr additive="base">
+                                        <p:cTn id="20" dur="500" fill="hold"/>
+                                        <p:tgtEl>
+                                          <p:spTgt spid="3">
+                                            <p:txEl>
+                                              <p:pRg st="2" end="2"/>
+                                            </p:txEl>
+                                          </p:spTgt>
+                                        </p:tgtEl>
+                                        <p:attrNameLst>
+                                          <p:attrName>ppt_y</p:attrName>
+                                        </p:attrNameLst>
+                                      </p:cBhvr>
+                                      <p:tavLst>
+                                        <p:tav tm="0">
+                                          <p:val>
+                                            <p:strVal val="1+#ppt_h/2"/>
+                                          </p:val>
+                                        </p:tav>
+                                        <p:tav tm="100000">
+                                          <p:val>
+                                            <p:strVal val="#ppt_y"/>
+                                          </p:val>
+                                        </p:tav>
+                                      </p:tavLst>
+                                    </p:anim>
+                                  </p:childTnLst>
+                                </p:cTn>
+                              </p:par>
+                            </p:childTnLst>
+                          </p:cTn>
+                        </p:par>
+                      </p:childTnLst>
+                    </p:cTn>
+                  </p:par>
+                </p:childTnLst>
+              </p:cTn>
+              <p:prevCondLst>
+                <p:cond evt="onPrev" delay="0">
+                  <p:tgtEl>
+                    <p:sldTgt/>
+                  </p:tgtEl>
+                </p:cond>
+              </p:prevCondLst>
+              <p:nextCondLst>
+                <p:cond evt="onNext" delay="0">
+                  <p:tgtEl>
+                    <p:sldTgt/>
+                  </p:tgtEl>
+                </p:cond>
+              </p:nextCondLst>
+            </p:seq>
+          </p:childTnLst>
+        </p:cTn>
+      </p:par>
+    </p:tnLst>
+    <p:bldLst>
+      <p:bldP spid="3" grpId="0" build="p"/>
+    </p:bldLst>
+  </p:timing>
 </p:sld>
 </file>
 

--- a/Implementierung/Dokumentation/Präsentation.pptx
+++ b/Implementierung/Dokumentation/Präsentation.pptx
@@ -10914,7 +10914,7 @@
             </a:r>
             <a:r>
               <a:rPr lang="de-DE" dirty="0" err="1"/>
-              <a:t>UserServlet</a:t>
+              <a:t>LoginServlet</a:t>
             </a:r>
             <a:r>
               <a:rPr lang="de-DE" dirty="0"/>
